--- a/OOAD/lectures/120--ExamplesC.pptx
+++ b/OOAD/lectures/120--ExamplesC.pptx
@@ -5,7 +5,7 @@
     <p:sldMasterId id="2147483648" r:id="rId1"/>
   </p:sldMasterIdLst>
   <p:notesMasterIdLst>
-    <p:notesMasterId r:id="rId35"/>
+    <p:notesMasterId r:id="rId50"/>
   </p:notesMasterIdLst>
   <p:sldIdLst>
     <p:sldId id="267" r:id="rId2"/>
@@ -36,11 +36,26 @@
     <p:sldId id="417" r:id="rId27"/>
     <p:sldId id="418" r:id="rId28"/>
     <p:sldId id="419" r:id="rId29"/>
-    <p:sldId id="272" r:id="rId30"/>
-    <p:sldId id="291" r:id="rId31"/>
-    <p:sldId id="395" r:id="rId32"/>
-    <p:sldId id="396" r:id="rId33"/>
-    <p:sldId id="268" r:id="rId34"/>
+    <p:sldId id="420" r:id="rId30"/>
+    <p:sldId id="421" r:id="rId31"/>
+    <p:sldId id="422" r:id="rId32"/>
+    <p:sldId id="423" r:id="rId33"/>
+    <p:sldId id="424" r:id="rId34"/>
+    <p:sldId id="425" r:id="rId35"/>
+    <p:sldId id="426" r:id="rId36"/>
+    <p:sldId id="427" r:id="rId37"/>
+    <p:sldId id="428" r:id="rId38"/>
+    <p:sldId id="429" r:id="rId39"/>
+    <p:sldId id="430" r:id="rId40"/>
+    <p:sldId id="431" r:id="rId41"/>
+    <p:sldId id="432" r:id="rId42"/>
+    <p:sldId id="433" r:id="rId43"/>
+    <p:sldId id="434" r:id="rId44"/>
+    <p:sldId id="272" r:id="rId45"/>
+    <p:sldId id="291" r:id="rId46"/>
+    <p:sldId id="395" r:id="rId47"/>
+    <p:sldId id="396" r:id="rId48"/>
+    <p:sldId id="268" r:id="rId49"/>
   </p:sldIdLst>
   <p:sldSz cx="9144000" cy="6858000" type="screen4x3"/>
   <p:notesSz cx="6858000" cy="9144000"/>
@@ -1038,7 +1053,7 @@
               <a:pPr>
                 <a:defRPr/>
               </a:pPr>
-              <a:t>12/17/2017</a:t>
+              <a:t>12/19/2017</a:t>
             </a:fld>
             <a:endParaRPr lang="en-US" altLang="en-US"/>
           </a:p>
@@ -1272,7 +1287,7 @@
               <a:pPr>
                 <a:defRPr/>
               </a:pPr>
-              <a:t>12/17/2017</a:t>
+              <a:t>12/19/2017</a:t>
             </a:fld>
             <a:endParaRPr lang="en-US" altLang="en-US"/>
           </a:p>
@@ -2145,7 +2160,7 @@
               <a:pPr>
                 <a:defRPr/>
               </a:pPr>
-              <a:t>12/17/2017</a:t>
+              <a:t>12/19/2017</a:t>
             </a:fld>
             <a:endParaRPr lang="en-US" altLang="en-US"/>
           </a:p>
@@ -2294,7 +2309,7 @@
               <a:pPr>
                 <a:defRPr/>
               </a:pPr>
-              <a:t>12/17/2017</a:t>
+              <a:t>12/19/2017</a:t>
             </a:fld>
             <a:endParaRPr lang="en-US" altLang="en-US"/>
           </a:p>
@@ -2625,7 +2640,7 @@
               <a:pPr>
                 <a:defRPr/>
               </a:pPr>
-              <a:t>12/17/2017</a:t>
+              <a:t>12/19/2017</a:t>
             </a:fld>
             <a:endParaRPr lang="en-US" altLang="en-US"/>
           </a:p>
@@ -2933,7 +2948,7 @@
               <a:pPr>
                 <a:defRPr/>
               </a:pPr>
-              <a:t>12/17/2017</a:t>
+              <a:t>12/19/2017</a:t>
             </a:fld>
             <a:endParaRPr lang="en-US" altLang="en-US"/>
           </a:p>
@@ -5053,6 +5068,13 @@
             <a:pPr eaLnBrk="1" hangingPunct="1"/>
             <a:r>
               <a:rPr lang="en-US" altLang="en-US" dirty="0" smtClean="0"/>
+              <a:t>Exam/Quizzes/Project Dates</a:t>
+            </a:r>
+          </a:p>
+          <a:p>
+            <a:pPr eaLnBrk="1" hangingPunct="1"/>
+            <a:r>
+              <a:rPr lang="en-US" altLang="en-US" dirty="0" smtClean="0"/>
               <a:t>Example System Problem</a:t>
             </a:r>
           </a:p>
@@ -5063,7 +5085,7 @@
               <a:t>Case </a:t>
             </a:r>
             <a:r>
-              <a:rPr lang="en-US" altLang="en-US" smtClean="0"/>
+              <a:rPr lang="en-US" altLang="en-US" dirty="0" err="1" smtClean="0"/>
               <a:t>Studey</a:t>
             </a:r>
             <a:endParaRPr lang="en-US" altLang="en-US" dirty="0" smtClean="0"/>
@@ -6374,7 +6396,7 @@
       </p:grpSpPr>
       <p:sp>
         <p:nvSpPr>
-          <p:cNvPr id="11266" name="Title 1"/>
+          <p:cNvPr id="2" name="Title 1"/>
           <p:cNvSpPr>
             <a:spLocks noGrp="1"/>
           </p:cNvSpPr>
@@ -6388,15 +6410,16 @@
           <a:lstStyle/>
           <a:p>
             <a:r>
-              <a:rPr lang="en-GB" altLang="en-US" smtClean="0"/>
-              <a:t>Summary</a:t>
-            </a:r>
-          </a:p>
-        </p:txBody>
-      </p:sp>
-      <p:sp>
-        <p:nvSpPr>
-          <p:cNvPr id="11267" name="Content Placeholder 2"/>
+              <a:rPr lang="en-GB" dirty="0" smtClean="0"/>
+              <a:t>Question</a:t>
+            </a:r>
+            <a:endParaRPr lang="en-GB" dirty="0"/>
+          </a:p>
+        </p:txBody>
+      </p:sp>
+      <p:sp>
+        <p:nvSpPr>
+          <p:cNvPr id="3" name="Content Placeholder 2"/>
           <p:cNvSpPr>
             <a:spLocks noGrp="1"/>
           </p:cNvSpPr>
@@ -6410,61 +6433,39 @@
           <a:lstStyle/>
           <a:p>
             <a:r>
-              <a:rPr lang="en-GB" altLang="en-US" dirty="0" smtClean="0"/>
-              <a:t>Review</a:t>
-            </a:r>
-          </a:p>
-          <a:p>
-            <a:r>
-              <a:rPr lang="en-GB" altLang="en-US" dirty="0" smtClean="0"/>
-              <a:t>Case </a:t>
-            </a:r>
-            <a:r>
-              <a:rPr lang="en-GB" altLang="en-US" dirty="0" smtClean="0"/>
-              <a:t>Study</a:t>
-            </a:r>
-          </a:p>
-          <a:p>
-            <a:r>
-              <a:rPr lang="en-GB" altLang="en-US" dirty="0" smtClean="0"/>
-              <a:t>Example Problems/Solutions</a:t>
-            </a:r>
-          </a:p>
-          <a:p>
-            <a:r>
-              <a:rPr lang="en-GB" altLang="en-US" dirty="0" smtClean="0"/>
-              <a:t>Final Exam (January)</a:t>
-            </a:r>
-          </a:p>
-          <a:p>
-            <a:r>
-              <a:rPr lang="en-GB" altLang="en-US" dirty="0" smtClean="0"/>
-              <a:t>Group Project</a:t>
-            </a:r>
-          </a:p>
-          <a:p>
-            <a:r>
-              <a:rPr lang="en-GB" altLang="en-US" dirty="0" smtClean="0"/>
-              <a:t>Review Questions</a:t>
-            </a:r>
-          </a:p>
-          <a:p>
-            <a:endParaRPr lang="en-GB" altLang="en-US" dirty="0" smtClean="0"/>
+              <a:rPr lang="en-GB" dirty="0" smtClean="0"/>
+              <a:t>Write down what Use </a:t>
+            </a:r>
+            <a:r>
+              <a:rPr lang="en-GB" dirty="0"/>
+              <a:t>case </a:t>
+            </a:r>
+            <a:r>
+              <a:rPr lang="en-GB" dirty="0" smtClean="0"/>
+              <a:t>diagrams are </a:t>
+            </a:r>
+            <a:r>
+              <a:rPr lang="en-GB" dirty="0"/>
+              <a:t>used for</a:t>
+            </a:r>
+            <a:r>
+              <a:rPr lang="en-GB" dirty="0" smtClean="0"/>
+              <a:t>?</a:t>
+            </a:r>
+            <a:endParaRPr lang="en-GB" dirty="0"/>
           </a:p>
         </p:txBody>
       </p:sp>
     </p:spTree>
+    <p:extLst>
+      <p:ext uri="{BB962C8B-B14F-4D97-AF65-F5344CB8AC3E}">
+        <p14:creationId xmlns:p14="http://schemas.microsoft.com/office/powerpoint/2010/main" val="1515839478"/>
+      </p:ext>
+    </p:extLst>
   </p:cSld>
   <p:clrMapOvr>
     <a:masterClrMapping/>
   </p:clrMapOvr>
-  <p:timing>
-    <p:tnLst>
-      <p:par>
-        <p:cTn id="1" dur="indefinite" restart="never" nodeType="tmRoot"/>
-      </p:par>
-    </p:tnLst>
-  </p:timing>
 </p:sld>
 </file>
 
@@ -6555,13 +6556,8 @@
             <a:pPr lvl="1"/>
             <a:r>
               <a:rPr lang="en-US" dirty="0" smtClean="0"/>
-              <a:t>2 </a:t>
-            </a:r>
-            <a:r>
-              <a:rPr lang="en-US" dirty="0" smtClean="0"/>
-              <a:t>Hours</a:t>
-            </a:r>
-            <a:endParaRPr lang="en-US" dirty="0" smtClean="0"/>
+              <a:t>2 Hours</a:t>
+            </a:r>
           </a:p>
         </p:txBody>
       </p:sp>
@@ -6592,7 +6588,7 @@
       </p:grpSpPr>
       <p:sp>
         <p:nvSpPr>
-          <p:cNvPr id="12290" name="Title 1"/>
+          <p:cNvPr id="2" name="Title 1"/>
           <p:cNvSpPr>
             <a:spLocks noGrp="1"/>
           </p:cNvSpPr>
@@ -6606,15 +6602,16 @@
           <a:lstStyle/>
           <a:p>
             <a:r>
-              <a:rPr lang="en-GB" altLang="en-US" smtClean="0"/>
-              <a:t>This Week</a:t>
-            </a:r>
-          </a:p>
-        </p:txBody>
-      </p:sp>
-      <p:sp>
-        <p:nvSpPr>
-          <p:cNvPr id="12291" name="Content Placeholder 2"/>
+              <a:rPr lang="en-GB" dirty="0" smtClean="0"/>
+              <a:t>Answer</a:t>
+            </a:r>
+            <a:endParaRPr lang="en-GB" dirty="0"/>
+          </a:p>
+        </p:txBody>
+      </p:sp>
+      <p:sp>
+        <p:nvSpPr>
+          <p:cNvPr id="3" name="Content Placeholder 2"/>
           <p:cNvSpPr>
             <a:spLocks noGrp="1"/>
           </p:cNvSpPr>
@@ -6628,48 +6625,41 @@
           <a:lstStyle/>
           <a:p>
             <a:r>
-              <a:rPr lang="en-GB" altLang="en-US" dirty="0" smtClean="0"/>
-              <a:t>Review Slides</a:t>
-            </a:r>
-          </a:p>
-          <a:p>
-            <a:r>
-              <a:rPr lang="en-GB" altLang="en-US" dirty="0" smtClean="0"/>
-              <a:t>Coursework</a:t>
-            </a:r>
-          </a:p>
-          <a:p>
-            <a:r>
-              <a:rPr lang="en-GB" altLang="en-US" dirty="0" smtClean="0"/>
-              <a:t>Reviewing Quiz Questions</a:t>
-            </a:r>
-          </a:p>
-          <a:p>
-            <a:r>
-              <a:rPr lang="en-GB" altLang="en-US" dirty="0" smtClean="0"/>
-              <a:t>Reviewing Associated Chapter</a:t>
-            </a:r>
-          </a:p>
-          <a:p>
-            <a:pPr>
-              <a:buNone/>
-            </a:pPr>
-            <a:endParaRPr lang="en-GB" altLang="en-US" dirty="0" smtClean="0"/>
+              <a:rPr lang="en-GB" dirty="0"/>
+              <a:t>To model the context of a system by enclosing all the activities of a system within a rectangle and focusing on the actors outside the system by interacting with </a:t>
+            </a:r>
+            <a:r>
+              <a:rPr lang="en-GB" dirty="0" smtClean="0"/>
+              <a:t>it</a:t>
+            </a:r>
+            <a:endParaRPr lang="en-GB" dirty="0"/>
+          </a:p>
+          <a:p>
+            <a:endParaRPr lang="en-GB" dirty="0"/>
+          </a:p>
+          <a:p>
+            <a:r>
+              <a:rPr lang="en-GB" dirty="0"/>
+              <a:t>To model the requirements of a system from the outside point of </a:t>
+            </a:r>
+            <a:r>
+              <a:rPr lang="en-GB" dirty="0" smtClean="0"/>
+              <a:t>view</a:t>
+            </a:r>
+            <a:endParaRPr lang="en-GB" dirty="0"/>
           </a:p>
         </p:txBody>
       </p:sp>
     </p:spTree>
+    <p:extLst>
+      <p:ext uri="{BB962C8B-B14F-4D97-AF65-F5344CB8AC3E}">
+        <p14:creationId xmlns:p14="http://schemas.microsoft.com/office/powerpoint/2010/main" val="832593709"/>
+      </p:ext>
+    </p:extLst>
   </p:cSld>
   <p:clrMapOvr>
     <a:masterClrMapping/>
   </p:clrMapOvr>
-  <p:timing>
-    <p:tnLst>
-      <p:par>
-        <p:cTn id="1" dur="indefinite" restart="never" nodeType="tmRoot"/>
-      </p:par>
-    </p:tnLst>
-  </p:timing>
 </p:sld>
 </file>
 
@@ -6730,7 +6720,15 @@
           <a:p>
             <a:r>
               <a:rPr lang="en-GB" dirty="0" smtClean="0"/>
-              <a:t>Deadline for final group project submission?</a:t>
+              <a:t>Write down what Interaction </a:t>
+            </a:r>
+            <a:r>
+              <a:rPr lang="en-GB" dirty="0"/>
+              <a:t>Diagrams and what are they used for</a:t>
+            </a:r>
+            <a:r>
+              <a:rPr lang="en-GB" dirty="0" smtClean="0"/>
+              <a:t>?</a:t>
             </a:r>
             <a:endParaRPr lang="en-GB" dirty="0"/>
           </a:p>
@@ -6739,7 +6737,7 @@
     </p:spTree>
     <p:extLst>
       <p:ext uri="{BB962C8B-B14F-4D97-AF65-F5344CB8AC3E}">
-        <p14:creationId xmlns:p14="http://schemas.microsoft.com/office/powerpoint/2010/main" val="3611135855"/>
+        <p14:creationId xmlns:p14="http://schemas.microsoft.com/office/powerpoint/2010/main" val="463510661"/>
       </p:ext>
     </p:extLst>
   </p:cSld>
@@ -6801,45 +6799,58 @@
         </p:nvSpPr>
         <p:spPr/>
         <p:txBody>
-          <a:bodyPr/>
-          <a:lstStyle/>
-          <a:p>
+          <a:bodyPr>
+            <a:normAutofit fontScale="85000" lnSpcReduction="10000"/>
+          </a:bodyPr>
+          <a:lstStyle/>
+          <a:p>
+            <a:r>
+              <a:rPr lang="en-GB" dirty="0"/>
+              <a:t>Interaction diagrams depict interactions of objects and their relationships. They also include the messages passed between them.</a:t>
+            </a:r>
+          </a:p>
+          <a:p>
+            <a:endParaRPr lang="en-GB" dirty="0"/>
+          </a:p>
+          <a:p>
+            <a:r>
+              <a:rPr lang="en-GB" dirty="0"/>
+              <a:t>Interaction diagrams are used for </a:t>
+            </a:r>
+            <a:r>
+              <a:rPr lang="en-GB" dirty="0" err="1"/>
+              <a:t>modeling</a:t>
+            </a:r>
+            <a:r>
+              <a:rPr lang="en-GB" dirty="0"/>
+              <a:t> −</a:t>
+            </a:r>
+          </a:p>
+          <a:p>
+            <a:pPr lvl="1"/>
+            <a:r>
+              <a:rPr lang="en-GB" dirty="0"/>
+              <a:t>the control flow by time ordering using sequence diagrams.</a:t>
+            </a:r>
+          </a:p>
+          <a:p>
+            <a:pPr lvl="1"/>
+            <a:r>
+              <a:rPr lang="en-GB" dirty="0"/>
+              <a:t>the control flow of organization using collaboration diagrams</a:t>
+            </a:r>
             <a:r>
               <a:rPr lang="en-GB" dirty="0" smtClean="0"/>
-              <a:t>25</a:t>
-            </a:r>
-            <a:r>
-              <a:rPr lang="en-GB" baseline="30000" dirty="0" smtClean="0"/>
-              <a:t>th</a:t>
-            </a:r>
-            <a:r>
-              <a:rPr lang="en-GB" dirty="0" smtClean="0"/>
-              <a:t> December</a:t>
-            </a:r>
-          </a:p>
-          <a:p>
+              <a:t>.</a:t>
+            </a:r>
             <a:endParaRPr lang="en-GB" dirty="0"/>
-          </a:p>
-          <a:p>
-            <a:pPr marL="0" indent="0">
-              <a:buNone/>
-            </a:pPr>
-            <a:r>
-              <a:rPr lang="en-GB" dirty="0" smtClean="0"/>
-              <a:t>Also deadline for </a:t>
-            </a:r>
-            <a:r>
-              <a:rPr lang="en-GB" smtClean="0"/>
-              <a:t>online quizzes</a:t>
-            </a:r>
-            <a:endParaRPr lang="en-GB"/>
           </a:p>
         </p:txBody>
       </p:sp>
     </p:spTree>
     <p:extLst>
       <p:ext uri="{BB962C8B-B14F-4D97-AF65-F5344CB8AC3E}">
-        <p14:creationId xmlns:p14="http://schemas.microsoft.com/office/powerpoint/2010/main" val="2051988775"/>
+        <p14:creationId xmlns:p14="http://schemas.microsoft.com/office/powerpoint/2010/main" val="2994157053"/>
       </p:ext>
     </p:extLst>
   </p:cSld>
@@ -6868,7 +6879,7 @@
       </p:grpSpPr>
       <p:sp>
         <p:nvSpPr>
-          <p:cNvPr id="13314" name="Title 1"/>
+          <p:cNvPr id="2" name="Title 1"/>
           <p:cNvSpPr>
             <a:spLocks noGrp="1"/>
           </p:cNvSpPr>
@@ -6881,17 +6892,17 @@
           <a:bodyPr/>
           <a:lstStyle/>
           <a:p>
-            <a:pPr eaLnBrk="1" hangingPunct="1"/>
-            <a:r>
-              <a:rPr lang="en-GB" altLang="en-US" smtClean="0"/>
-              <a:t>Questions/Discussion</a:t>
-            </a:r>
-          </a:p>
-        </p:txBody>
-      </p:sp>
-      <p:sp>
-        <p:nvSpPr>
-          <p:cNvPr id="13315" name="Content Placeholder 2"/>
+            <a:r>
+              <a:rPr lang="en-GB" dirty="0" smtClean="0"/>
+              <a:t>Question</a:t>
+            </a:r>
+            <a:endParaRPr lang="en-GB" dirty="0"/>
+          </a:p>
+        </p:txBody>
+      </p:sp>
+      <p:sp>
+        <p:nvSpPr>
+          <p:cNvPr id="3" name="Content Placeholder 2"/>
           <p:cNvSpPr>
             <a:spLocks noGrp="1"/>
           </p:cNvSpPr>
@@ -6904,23 +6915,704 @@
           <a:bodyPr/>
           <a:lstStyle/>
           <a:p>
-            <a:pPr eaLnBrk="1" hangingPunct="1"/>
-            <a:endParaRPr lang="en-GB" altLang="en-US" smtClean="0"/>
+            <a:r>
+              <a:rPr lang="en-GB" dirty="0"/>
+              <a:t>There are two categories of elements in an object-oriented </a:t>
+            </a:r>
+            <a:r>
+              <a:rPr lang="en-GB" dirty="0" smtClean="0"/>
+              <a:t>system</a:t>
+            </a:r>
+            <a:endParaRPr lang="en-GB" dirty="0"/>
+          </a:p>
+          <a:p>
+            <a:r>
+              <a:rPr lang="en-GB" dirty="0"/>
+              <a:t>Major Elements </a:t>
+            </a:r>
+            <a:r>
+              <a:rPr lang="en-GB" dirty="0" smtClean="0"/>
+              <a:t>&amp; Minor Elements</a:t>
+            </a:r>
+          </a:p>
+          <a:p>
+            <a:endParaRPr lang="en-GB" dirty="0"/>
+          </a:p>
+          <a:p>
+            <a:pPr marL="0" indent="0">
+              <a:buNone/>
+            </a:pPr>
+            <a:r>
+              <a:rPr lang="en-GB" dirty="0" smtClean="0"/>
+              <a:t>Write down </a:t>
+            </a:r>
+            <a:r>
+              <a:rPr lang="en-GB" dirty="0"/>
+              <a:t>the </a:t>
+            </a:r>
+            <a:r>
+              <a:rPr lang="en-GB" dirty="0" err="1" smtClean="0"/>
+              <a:t>the</a:t>
+            </a:r>
+            <a:r>
+              <a:rPr lang="en-GB" dirty="0" smtClean="0"/>
+              <a:t> </a:t>
+            </a:r>
+            <a:r>
+              <a:rPr lang="en-GB" dirty="0"/>
+              <a:t>four major </a:t>
+            </a:r>
+            <a:r>
+              <a:rPr lang="en-GB" dirty="0" smtClean="0"/>
+              <a:t>and three minor elements.</a:t>
+            </a:r>
           </a:p>
         </p:txBody>
       </p:sp>
     </p:spTree>
+    <p:extLst>
+      <p:ext uri="{BB962C8B-B14F-4D97-AF65-F5344CB8AC3E}">
+        <p14:creationId xmlns:p14="http://schemas.microsoft.com/office/powerpoint/2010/main" val="648972170"/>
+      </p:ext>
+    </p:extLst>
   </p:cSld>
   <p:clrMapOvr>
     <a:masterClrMapping/>
   </p:clrMapOvr>
-  <p:timing>
-    <p:tnLst>
-      <p:par>
-        <p:cTn id="1" dur="indefinite" restart="never" nodeType="tmRoot"/>
-      </p:par>
-    </p:tnLst>
-  </p:timing>
+</p:sld>
+</file>
+
+<file path=ppt/slides/slide34.xml><?xml version="1.0" encoding="utf-8"?>
+<p:sld xmlns:a="http://schemas.openxmlformats.org/drawingml/2006/main" xmlns:r="http://schemas.openxmlformats.org/officeDocument/2006/relationships" xmlns:p="http://schemas.openxmlformats.org/presentationml/2006/main">
+  <p:cSld>
+    <p:spTree>
+      <p:nvGrpSpPr>
+        <p:cNvPr id="1" name=""/>
+        <p:cNvGrpSpPr/>
+        <p:nvPr/>
+      </p:nvGrpSpPr>
+      <p:grpSpPr>
+        <a:xfrm>
+          <a:off x="0" y="0"/>
+          <a:ext cx="0" cy="0"/>
+          <a:chOff x="0" y="0"/>
+          <a:chExt cx="0" cy="0"/>
+        </a:xfrm>
+      </p:grpSpPr>
+      <p:sp>
+        <p:nvSpPr>
+          <p:cNvPr id="2" name="Title 1"/>
+          <p:cNvSpPr>
+            <a:spLocks noGrp="1"/>
+          </p:cNvSpPr>
+          <p:nvPr>
+            <p:ph type="title"/>
+          </p:nvPr>
+        </p:nvSpPr>
+        <p:spPr/>
+        <p:txBody>
+          <a:bodyPr/>
+          <a:lstStyle/>
+          <a:p>
+            <a:r>
+              <a:rPr lang="en-GB" dirty="0" smtClean="0"/>
+              <a:t>Answer</a:t>
+            </a:r>
+            <a:endParaRPr lang="en-GB" dirty="0"/>
+          </a:p>
+        </p:txBody>
+      </p:sp>
+      <p:sp>
+        <p:nvSpPr>
+          <p:cNvPr id="3" name="Content Placeholder 2"/>
+          <p:cNvSpPr>
+            <a:spLocks noGrp="1"/>
+          </p:cNvSpPr>
+          <p:nvPr>
+            <p:ph idx="1"/>
+          </p:nvPr>
+        </p:nvSpPr>
+        <p:spPr/>
+        <p:txBody>
+          <a:bodyPr>
+            <a:normAutofit fontScale="92500" lnSpcReduction="10000"/>
+          </a:bodyPr>
+          <a:lstStyle/>
+          <a:p>
+            <a:r>
+              <a:rPr lang="en-GB" dirty="0" smtClean="0"/>
+              <a:t>Major</a:t>
+            </a:r>
+          </a:p>
+          <a:p>
+            <a:pPr lvl="1"/>
+            <a:r>
+              <a:rPr lang="en-GB" dirty="0" smtClean="0"/>
+              <a:t>Abstraction</a:t>
+            </a:r>
+            <a:endParaRPr lang="en-GB" dirty="0"/>
+          </a:p>
+          <a:p>
+            <a:pPr lvl="1"/>
+            <a:r>
+              <a:rPr lang="en-GB" dirty="0"/>
+              <a:t>Encapsulation</a:t>
+            </a:r>
+          </a:p>
+          <a:p>
+            <a:pPr lvl="1"/>
+            <a:r>
+              <a:rPr lang="en-GB" dirty="0"/>
+              <a:t>Modularity</a:t>
+            </a:r>
+          </a:p>
+          <a:p>
+            <a:pPr lvl="1"/>
+            <a:r>
+              <a:rPr lang="en-GB" dirty="0" smtClean="0"/>
+              <a:t>Hierarchy</a:t>
+            </a:r>
+          </a:p>
+          <a:p>
+            <a:r>
+              <a:rPr lang="en-GB" dirty="0" smtClean="0"/>
+              <a:t>Minor</a:t>
+            </a:r>
+          </a:p>
+          <a:p>
+            <a:pPr lvl="1"/>
+            <a:r>
+              <a:rPr lang="en-GB" dirty="0"/>
+              <a:t>Typing</a:t>
+            </a:r>
+          </a:p>
+          <a:p>
+            <a:pPr lvl="1"/>
+            <a:r>
+              <a:rPr lang="en-GB" dirty="0"/>
+              <a:t>Concurrency</a:t>
+            </a:r>
+          </a:p>
+          <a:p>
+            <a:pPr lvl="1"/>
+            <a:r>
+              <a:rPr lang="en-GB" dirty="0"/>
+              <a:t>Persistence</a:t>
+            </a:r>
+          </a:p>
+          <a:p>
+            <a:pPr lvl="1"/>
+            <a:endParaRPr lang="en-GB" dirty="0"/>
+          </a:p>
+        </p:txBody>
+      </p:sp>
+    </p:spTree>
+    <p:extLst>
+      <p:ext uri="{BB962C8B-B14F-4D97-AF65-F5344CB8AC3E}">
+        <p14:creationId xmlns:p14="http://schemas.microsoft.com/office/powerpoint/2010/main" val="4030562264"/>
+      </p:ext>
+    </p:extLst>
+  </p:cSld>
+  <p:clrMapOvr>
+    <a:masterClrMapping/>
+  </p:clrMapOvr>
+</p:sld>
+</file>
+
+<file path=ppt/slides/slide35.xml><?xml version="1.0" encoding="utf-8"?>
+<p:sld xmlns:a="http://schemas.openxmlformats.org/drawingml/2006/main" xmlns:r="http://schemas.openxmlformats.org/officeDocument/2006/relationships" xmlns:p="http://schemas.openxmlformats.org/presentationml/2006/main">
+  <p:cSld>
+    <p:spTree>
+      <p:nvGrpSpPr>
+        <p:cNvPr id="1" name=""/>
+        <p:cNvGrpSpPr/>
+        <p:nvPr/>
+      </p:nvGrpSpPr>
+      <p:grpSpPr>
+        <a:xfrm>
+          <a:off x="0" y="0"/>
+          <a:ext cx="0" cy="0"/>
+          <a:chOff x="0" y="0"/>
+          <a:chExt cx="0" cy="0"/>
+        </a:xfrm>
+      </p:grpSpPr>
+      <p:sp>
+        <p:nvSpPr>
+          <p:cNvPr id="2" name="Title 1"/>
+          <p:cNvSpPr>
+            <a:spLocks noGrp="1"/>
+          </p:cNvSpPr>
+          <p:nvPr>
+            <p:ph type="title"/>
+          </p:nvPr>
+        </p:nvSpPr>
+        <p:spPr/>
+        <p:txBody>
+          <a:bodyPr/>
+          <a:lstStyle/>
+          <a:p>
+            <a:r>
+              <a:rPr lang="en-GB" dirty="0" smtClean="0"/>
+              <a:t>Question</a:t>
+            </a:r>
+            <a:endParaRPr lang="en-GB" dirty="0"/>
+          </a:p>
+        </p:txBody>
+      </p:sp>
+      <p:sp>
+        <p:nvSpPr>
+          <p:cNvPr id="3" name="Content Placeholder 2"/>
+          <p:cNvSpPr>
+            <a:spLocks noGrp="1"/>
+          </p:cNvSpPr>
+          <p:nvPr>
+            <p:ph idx="1"/>
+          </p:nvPr>
+        </p:nvSpPr>
+        <p:spPr/>
+        <p:txBody>
+          <a:bodyPr/>
+          <a:lstStyle/>
+          <a:p>
+            <a:r>
+              <a:rPr lang="en-GB" dirty="0" smtClean="0"/>
+              <a:t>There are two types </a:t>
+            </a:r>
+            <a:r>
+              <a:rPr lang="en-GB" dirty="0"/>
+              <a:t>of typing are </a:t>
+            </a:r>
+            <a:r>
+              <a:rPr lang="en-GB" dirty="0" smtClean="0"/>
+              <a:t>− write them down and explain them</a:t>
+            </a:r>
+            <a:endParaRPr lang="en-GB" dirty="0"/>
+          </a:p>
+        </p:txBody>
+      </p:sp>
+    </p:spTree>
+    <p:extLst>
+      <p:ext uri="{BB962C8B-B14F-4D97-AF65-F5344CB8AC3E}">
+        <p14:creationId xmlns:p14="http://schemas.microsoft.com/office/powerpoint/2010/main" val="3469542322"/>
+      </p:ext>
+    </p:extLst>
+  </p:cSld>
+  <p:clrMapOvr>
+    <a:masterClrMapping/>
+  </p:clrMapOvr>
+</p:sld>
+</file>
+
+<file path=ppt/slides/slide36.xml><?xml version="1.0" encoding="utf-8"?>
+<p:sld xmlns:a="http://schemas.openxmlformats.org/drawingml/2006/main" xmlns:r="http://schemas.openxmlformats.org/officeDocument/2006/relationships" xmlns:p="http://schemas.openxmlformats.org/presentationml/2006/main">
+  <p:cSld>
+    <p:spTree>
+      <p:nvGrpSpPr>
+        <p:cNvPr id="1" name=""/>
+        <p:cNvGrpSpPr/>
+        <p:nvPr/>
+      </p:nvGrpSpPr>
+      <p:grpSpPr>
+        <a:xfrm>
+          <a:off x="0" y="0"/>
+          <a:ext cx="0" cy="0"/>
+          <a:chOff x="0" y="0"/>
+          <a:chExt cx="0" cy="0"/>
+        </a:xfrm>
+      </p:grpSpPr>
+      <p:sp>
+        <p:nvSpPr>
+          <p:cNvPr id="2" name="Title 1"/>
+          <p:cNvSpPr>
+            <a:spLocks noGrp="1"/>
+          </p:cNvSpPr>
+          <p:nvPr>
+            <p:ph type="title"/>
+          </p:nvPr>
+        </p:nvSpPr>
+        <p:spPr/>
+        <p:txBody>
+          <a:bodyPr/>
+          <a:lstStyle/>
+          <a:p>
+            <a:r>
+              <a:rPr lang="en-GB" dirty="0" smtClean="0"/>
+              <a:t>Answer</a:t>
+            </a:r>
+            <a:endParaRPr lang="en-GB" dirty="0"/>
+          </a:p>
+        </p:txBody>
+      </p:sp>
+      <p:sp>
+        <p:nvSpPr>
+          <p:cNvPr id="3" name="Content Placeholder 2"/>
+          <p:cNvSpPr>
+            <a:spLocks noGrp="1"/>
+          </p:cNvSpPr>
+          <p:nvPr>
+            <p:ph idx="1"/>
+          </p:nvPr>
+        </p:nvSpPr>
+        <p:spPr/>
+        <p:txBody>
+          <a:bodyPr>
+            <a:normAutofit fontScale="92500" lnSpcReduction="10000"/>
+          </a:bodyPr>
+          <a:lstStyle/>
+          <a:p>
+            <a:r>
+              <a:rPr lang="en-GB" dirty="0"/>
+              <a:t>Strong Typing − Here, the operation on an object is checked at the time of compilation, as in the programming language </a:t>
+            </a:r>
+            <a:r>
+              <a:rPr lang="en-GB" dirty="0" smtClean="0"/>
+              <a:t>Eiffel</a:t>
+            </a:r>
+            <a:endParaRPr lang="en-GB" dirty="0"/>
+          </a:p>
+          <a:p>
+            <a:endParaRPr lang="en-GB" dirty="0"/>
+          </a:p>
+          <a:p>
+            <a:r>
+              <a:rPr lang="en-GB" dirty="0"/>
+              <a:t>Weak Typing − Here, messages may be sent to any class. The operation is checked only at the time of execution, as in the programming language </a:t>
+            </a:r>
+            <a:r>
+              <a:rPr lang="en-GB" dirty="0" smtClean="0"/>
+              <a:t>Smalltalk</a:t>
+            </a:r>
+            <a:endParaRPr lang="en-GB" dirty="0"/>
+          </a:p>
+        </p:txBody>
+      </p:sp>
+    </p:spTree>
+    <p:extLst>
+      <p:ext uri="{BB962C8B-B14F-4D97-AF65-F5344CB8AC3E}">
+        <p14:creationId xmlns:p14="http://schemas.microsoft.com/office/powerpoint/2010/main" val="3498956197"/>
+      </p:ext>
+    </p:extLst>
+  </p:cSld>
+  <p:clrMapOvr>
+    <a:masterClrMapping/>
+  </p:clrMapOvr>
+</p:sld>
+</file>
+
+<file path=ppt/slides/slide37.xml><?xml version="1.0" encoding="utf-8"?>
+<p:sld xmlns:a="http://schemas.openxmlformats.org/drawingml/2006/main" xmlns:r="http://schemas.openxmlformats.org/officeDocument/2006/relationships" xmlns:p="http://schemas.openxmlformats.org/presentationml/2006/main">
+  <p:cSld>
+    <p:spTree>
+      <p:nvGrpSpPr>
+        <p:cNvPr id="1" name=""/>
+        <p:cNvGrpSpPr/>
+        <p:nvPr/>
+      </p:nvGrpSpPr>
+      <p:grpSpPr>
+        <a:xfrm>
+          <a:off x="0" y="0"/>
+          <a:ext cx="0" cy="0"/>
+          <a:chOff x="0" y="0"/>
+          <a:chExt cx="0" cy="0"/>
+        </a:xfrm>
+      </p:grpSpPr>
+      <p:sp>
+        <p:nvSpPr>
+          <p:cNvPr id="2" name="Title 1"/>
+          <p:cNvSpPr>
+            <a:spLocks noGrp="1"/>
+          </p:cNvSpPr>
+          <p:nvPr>
+            <p:ph type="title"/>
+          </p:nvPr>
+        </p:nvSpPr>
+        <p:spPr/>
+        <p:txBody>
+          <a:bodyPr/>
+          <a:lstStyle/>
+          <a:p>
+            <a:r>
+              <a:rPr lang="en-GB" dirty="0" smtClean="0"/>
+              <a:t>Question</a:t>
+            </a:r>
+            <a:endParaRPr lang="en-GB" dirty="0"/>
+          </a:p>
+        </p:txBody>
+      </p:sp>
+      <p:sp>
+        <p:nvSpPr>
+          <p:cNvPr id="3" name="Content Placeholder 2"/>
+          <p:cNvSpPr>
+            <a:spLocks noGrp="1"/>
+          </p:cNvSpPr>
+          <p:nvPr>
+            <p:ph idx="1"/>
+          </p:nvPr>
+        </p:nvSpPr>
+        <p:spPr/>
+        <p:txBody>
+          <a:bodyPr/>
+          <a:lstStyle/>
+          <a:p>
+            <a:r>
+              <a:rPr lang="en-GB" dirty="0" smtClean="0"/>
+              <a:t>Write down the five phases of the XP lifecycle</a:t>
+            </a:r>
+            <a:endParaRPr lang="en-GB" dirty="0"/>
+          </a:p>
+          <a:p>
+            <a:endParaRPr lang="en-GB" dirty="0"/>
+          </a:p>
+        </p:txBody>
+      </p:sp>
+    </p:spTree>
+    <p:extLst>
+      <p:ext uri="{BB962C8B-B14F-4D97-AF65-F5344CB8AC3E}">
+        <p14:creationId xmlns:p14="http://schemas.microsoft.com/office/powerpoint/2010/main" val="852214437"/>
+      </p:ext>
+    </p:extLst>
+  </p:cSld>
+  <p:clrMapOvr>
+    <a:masterClrMapping/>
+  </p:clrMapOvr>
+</p:sld>
+</file>
+
+<file path=ppt/slides/slide38.xml><?xml version="1.0" encoding="utf-8"?>
+<p:sld xmlns:a="http://schemas.openxmlformats.org/drawingml/2006/main" xmlns:r="http://schemas.openxmlformats.org/officeDocument/2006/relationships" xmlns:p="http://schemas.openxmlformats.org/presentationml/2006/main">
+  <p:cSld>
+    <p:spTree>
+      <p:nvGrpSpPr>
+        <p:cNvPr id="1" name=""/>
+        <p:cNvGrpSpPr/>
+        <p:nvPr/>
+      </p:nvGrpSpPr>
+      <p:grpSpPr>
+        <a:xfrm>
+          <a:off x="0" y="0"/>
+          <a:ext cx="0" cy="0"/>
+          <a:chOff x="0" y="0"/>
+          <a:chExt cx="0" cy="0"/>
+        </a:xfrm>
+      </p:grpSpPr>
+      <p:sp>
+        <p:nvSpPr>
+          <p:cNvPr id="2" name="Title 1"/>
+          <p:cNvSpPr>
+            <a:spLocks noGrp="1"/>
+          </p:cNvSpPr>
+          <p:nvPr>
+            <p:ph type="title"/>
+          </p:nvPr>
+        </p:nvSpPr>
+        <p:spPr>
+          <a:xfrm>
+            <a:off x="685800" y="304800"/>
+            <a:ext cx="7772400" cy="1143000"/>
+          </a:xfrm>
+        </p:spPr>
+        <p:txBody>
+          <a:bodyPr/>
+          <a:lstStyle/>
+          <a:p>
+            <a:r>
+              <a:rPr lang="en-GB" dirty="0" smtClean="0"/>
+              <a:t>Answer</a:t>
+            </a:r>
+            <a:endParaRPr lang="en-GB" dirty="0"/>
+          </a:p>
+        </p:txBody>
+      </p:sp>
+      <p:sp>
+        <p:nvSpPr>
+          <p:cNvPr id="3" name="Content Placeholder 2"/>
+          <p:cNvSpPr>
+            <a:spLocks noGrp="1"/>
+          </p:cNvSpPr>
+          <p:nvPr>
+            <p:ph idx="1"/>
+          </p:nvPr>
+        </p:nvSpPr>
+        <p:spPr>
+          <a:xfrm>
+            <a:off x="685800" y="1676400"/>
+            <a:ext cx="7772400" cy="4724400"/>
+          </a:xfrm>
+        </p:spPr>
+        <p:txBody>
+          <a:bodyPr>
+            <a:normAutofit fontScale="85000" lnSpcReduction="20000"/>
+          </a:bodyPr>
+          <a:lstStyle/>
+          <a:p>
+            <a:pPr marL="514350" indent="-514350">
+              <a:buAutoNum type="arabicPeriod"/>
+            </a:pPr>
+            <a:r>
+              <a:rPr lang="en-US" i="1" dirty="0">
+                <a:solidFill>
+                  <a:schemeClr val="bg1"/>
+                </a:solidFill>
+              </a:rPr>
+              <a:t>Exploration</a:t>
+            </a:r>
+            <a:r>
+              <a:rPr lang="en-US" dirty="0"/>
+              <a:t>: Determine feasibility, understand key “stories” for the first release, and develop exploratory prototypes</a:t>
+            </a:r>
+          </a:p>
+          <a:p>
+            <a:pPr marL="514350" indent="-514350">
+              <a:buAutoNum type="arabicPeriod"/>
+            </a:pPr>
+            <a:r>
+              <a:rPr lang="en-US" i="1" dirty="0">
+                <a:solidFill>
+                  <a:schemeClr val="bg1"/>
+                </a:solidFill>
+              </a:rPr>
+              <a:t>Planning</a:t>
+            </a:r>
+            <a:r>
+              <a:rPr lang="en-US" dirty="0"/>
+              <a:t>: Agree on the date and stories for the first release </a:t>
+            </a:r>
+          </a:p>
+          <a:p>
+            <a:pPr marL="514350" indent="-514350">
+              <a:buAutoNum type="arabicPeriod"/>
+            </a:pPr>
+            <a:r>
+              <a:rPr lang="en-US" i="1" dirty="0"/>
+              <a:t>Iterations to release</a:t>
+            </a:r>
+            <a:r>
+              <a:rPr lang="en-US" dirty="0"/>
+              <a:t>: Implement and test selected stories in a series of iterations. Refine the iteration plan</a:t>
+            </a:r>
+          </a:p>
+          <a:p>
+            <a:pPr marL="514350" indent="-514350">
+              <a:buAutoNum type="arabicPeriod"/>
+            </a:pPr>
+            <a:r>
+              <a:rPr lang="en-US" i="1" dirty="0">
+                <a:solidFill>
+                  <a:schemeClr val="bg1"/>
+                </a:solidFill>
+              </a:rPr>
+              <a:t>Productionizing</a:t>
+            </a:r>
+            <a:r>
+              <a:rPr lang="en-US" dirty="0"/>
+              <a:t>: Prepare supporting materials (documentation, training, marketing), and deploy the operational system</a:t>
+            </a:r>
+          </a:p>
+          <a:p>
+            <a:pPr marL="514350" indent="-514350">
+              <a:buAutoNum type="arabicPeriod"/>
+            </a:pPr>
+            <a:r>
+              <a:rPr lang="en-US" i="1" dirty="0">
+                <a:solidFill>
+                  <a:schemeClr val="bg1"/>
+                </a:solidFill>
+              </a:rPr>
+              <a:t>Maintenance</a:t>
+            </a:r>
+            <a:r>
+              <a:rPr lang="en-US" dirty="0"/>
+              <a:t>: Fix and enhance the deployed system </a:t>
+            </a:r>
+          </a:p>
+        </p:txBody>
+      </p:sp>
+    </p:spTree>
+    <p:extLst>
+      <p:ext uri="{BB962C8B-B14F-4D97-AF65-F5344CB8AC3E}">
+        <p14:creationId xmlns:p14="http://schemas.microsoft.com/office/powerpoint/2010/main" val="708159956"/>
+      </p:ext>
+    </p:extLst>
+  </p:cSld>
+  <p:clrMapOvr>
+    <a:masterClrMapping/>
+  </p:clrMapOvr>
+</p:sld>
+</file>
+
+<file path=ppt/slides/slide39.xml><?xml version="1.0" encoding="utf-8"?>
+<p:sld xmlns:a="http://schemas.openxmlformats.org/drawingml/2006/main" xmlns:r="http://schemas.openxmlformats.org/officeDocument/2006/relationships" xmlns:p="http://schemas.openxmlformats.org/presentationml/2006/main">
+  <p:cSld>
+    <p:spTree>
+      <p:nvGrpSpPr>
+        <p:cNvPr id="1" name=""/>
+        <p:cNvGrpSpPr/>
+        <p:nvPr/>
+      </p:nvGrpSpPr>
+      <p:grpSpPr>
+        <a:xfrm>
+          <a:off x="0" y="0"/>
+          <a:ext cx="0" cy="0"/>
+          <a:chOff x="0" y="0"/>
+          <a:chExt cx="0" cy="0"/>
+        </a:xfrm>
+      </p:grpSpPr>
+      <p:sp>
+        <p:nvSpPr>
+          <p:cNvPr id="2" name="Title 1"/>
+          <p:cNvSpPr>
+            <a:spLocks noGrp="1"/>
+          </p:cNvSpPr>
+          <p:nvPr>
+            <p:ph type="title"/>
+          </p:nvPr>
+        </p:nvSpPr>
+        <p:spPr/>
+        <p:txBody>
+          <a:bodyPr/>
+          <a:lstStyle/>
+          <a:p>
+            <a:r>
+              <a:rPr lang="en-GB" dirty="0" smtClean="0"/>
+              <a:t>Question</a:t>
+            </a:r>
+            <a:endParaRPr lang="en-GB" dirty="0"/>
+          </a:p>
+        </p:txBody>
+      </p:sp>
+      <p:sp>
+        <p:nvSpPr>
+          <p:cNvPr id="3" name="Content Placeholder 2"/>
+          <p:cNvSpPr>
+            <a:spLocks noGrp="1"/>
+          </p:cNvSpPr>
+          <p:nvPr>
+            <p:ph idx="1"/>
+          </p:nvPr>
+        </p:nvSpPr>
+        <p:spPr/>
+        <p:txBody>
+          <a:bodyPr/>
+          <a:lstStyle/>
+          <a:p>
+            <a:r>
+              <a:rPr lang="en-GB" dirty="0" smtClean="0"/>
+              <a:t>Write down what the advantages and disadvantages of the Spiral Model</a:t>
+            </a:r>
+            <a:endParaRPr lang="en-GB" dirty="0"/>
+          </a:p>
+        </p:txBody>
+      </p:sp>
+    </p:spTree>
+    <p:extLst>
+      <p:ext uri="{BB962C8B-B14F-4D97-AF65-F5344CB8AC3E}">
+        <p14:creationId xmlns:p14="http://schemas.microsoft.com/office/powerpoint/2010/main" val="3038845572"/>
+      </p:ext>
+    </p:extLst>
+  </p:cSld>
+  <p:clrMapOvr>
+    <a:masterClrMapping/>
+  </p:clrMapOvr>
 </p:sld>
 </file>
 
@@ -7033,6 +7725,885 @@
   <p:clrMapOvr>
     <a:masterClrMapping/>
   </p:clrMapOvr>
+</p:sld>
+</file>
+
+<file path=ppt/slides/slide40.xml><?xml version="1.0" encoding="utf-8"?>
+<p:sld xmlns:a="http://schemas.openxmlformats.org/drawingml/2006/main" xmlns:r="http://schemas.openxmlformats.org/officeDocument/2006/relationships" xmlns:p="http://schemas.openxmlformats.org/presentationml/2006/main">
+  <p:cSld>
+    <p:spTree>
+      <p:nvGrpSpPr>
+        <p:cNvPr id="1" name=""/>
+        <p:cNvGrpSpPr/>
+        <p:nvPr/>
+      </p:nvGrpSpPr>
+      <p:grpSpPr>
+        <a:xfrm>
+          <a:off x="0" y="0"/>
+          <a:ext cx="0" cy="0"/>
+          <a:chOff x="0" y="0"/>
+          <a:chExt cx="0" cy="0"/>
+        </a:xfrm>
+      </p:grpSpPr>
+      <p:sp>
+        <p:nvSpPr>
+          <p:cNvPr id="2" name="Title 1"/>
+          <p:cNvSpPr>
+            <a:spLocks noGrp="1"/>
+          </p:cNvSpPr>
+          <p:nvPr>
+            <p:ph type="title"/>
+          </p:nvPr>
+        </p:nvSpPr>
+        <p:spPr/>
+        <p:txBody>
+          <a:bodyPr/>
+          <a:lstStyle/>
+          <a:p>
+            <a:r>
+              <a:rPr lang="en-GB" dirty="0" smtClean="0"/>
+              <a:t>Answer</a:t>
+            </a:r>
+            <a:endParaRPr lang="en-GB" dirty="0"/>
+          </a:p>
+        </p:txBody>
+      </p:sp>
+      <p:sp>
+        <p:nvSpPr>
+          <p:cNvPr id="3" name="Content Placeholder 2"/>
+          <p:cNvSpPr>
+            <a:spLocks noGrp="1"/>
+          </p:cNvSpPr>
+          <p:nvPr>
+            <p:ph idx="1"/>
+          </p:nvPr>
+        </p:nvSpPr>
+        <p:spPr/>
+        <p:txBody>
+          <a:bodyPr/>
+          <a:lstStyle/>
+          <a:p>
+            <a:endParaRPr lang="en-GB"/>
+          </a:p>
+        </p:txBody>
+      </p:sp>
+      <p:pic>
+        <p:nvPicPr>
+          <p:cNvPr id="4" name="Picture 2"/>
+          <p:cNvPicPr>
+            <a:picLocks noChangeAspect="1" noChangeArrowheads="1"/>
+          </p:cNvPicPr>
+          <p:nvPr/>
+        </p:nvPicPr>
+        <p:blipFill>
+          <a:blip r:embed="rId2"/>
+          <a:srcRect/>
+          <a:stretch>
+            <a:fillRect/>
+          </a:stretch>
+        </p:blipFill>
+        <p:spPr bwMode="auto">
+          <a:xfrm>
+            <a:off x="381000" y="2362200"/>
+            <a:ext cx="8559344" cy="2819400"/>
+          </a:xfrm>
+          <a:prstGeom prst="rect">
+            <a:avLst/>
+          </a:prstGeom>
+          <a:noFill/>
+          <a:ln w="9525">
+            <a:noFill/>
+            <a:miter lim="800000"/>
+            <a:headEnd/>
+            <a:tailEnd/>
+          </a:ln>
+          <a:effectLst/>
+        </p:spPr>
+      </p:pic>
+    </p:spTree>
+    <p:extLst>
+      <p:ext uri="{BB962C8B-B14F-4D97-AF65-F5344CB8AC3E}">
+        <p14:creationId xmlns:p14="http://schemas.microsoft.com/office/powerpoint/2010/main" val="2066962750"/>
+      </p:ext>
+    </p:extLst>
+  </p:cSld>
+  <p:clrMapOvr>
+    <a:masterClrMapping/>
+  </p:clrMapOvr>
+</p:sld>
+</file>
+
+<file path=ppt/slides/slide41.xml><?xml version="1.0" encoding="utf-8"?>
+<p:sld xmlns:a="http://schemas.openxmlformats.org/drawingml/2006/main" xmlns:r="http://schemas.openxmlformats.org/officeDocument/2006/relationships" xmlns:p="http://schemas.openxmlformats.org/presentationml/2006/main">
+  <p:cSld>
+    <p:spTree>
+      <p:nvGrpSpPr>
+        <p:cNvPr id="1" name=""/>
+        <p:cNvGrpSpPr/>
+        <p:nvPr/>
+      </p:nvGrpSpPr>
+      <p:grpSpPr>
+        <a:xfrm>
+          <a:off x="0" y="0"/>
+          <a:ext cx="0" cy="0"/>
+          <a:chOff x="0" y="0"/>
+          <a:chExt cx="0" cy="0"/>
+        </a:xfrm>
+      </p:grpSpPr>
+      <p:sp>
+        <p:nvSpPr>
+          <p:cNvPr id="2" name="Title 1"/>
+          <p:cNvSpPr>
+            <a:spLocks noGrp="1"/>
+          </p:cNvSpPr>
+          <p:nvPr>
+            <p:ph type="title"/>
+          </p:nvPr>
+        </p:nvSpPr>
+        <p:spPr/>
+        <p:txBody>
+          <a:bodyPr/>
+          <a:lstStyle/>
+          <a:p>
+            <a:r>
+              <a:rPr lang="en-GB" dirty="0" smtClean="0"/>
+              <a:t>Question</a:t>
+            </a:r>
+            <a:endParaRPr lang="en-GB" dirty="0"/>
+          </a:p>
+        </p:txBody>
+      </p:sp>
+      <p:sp>
+        <p:nvSpPr>
+          <p:cNvPr id="3" name="Content Placeholder 2"/>
+          <p:cNvSpPr>
+            <a:spLocks noGrp="1"/>
+          </p:cNvSpPr>
+          <p:nvPr>
+            <p:ph idx="1"/>
+          </p:nvPr>
+        </p:nvSpPr>
+        <p:spPr/>
+        <p:txBody>
+          <a:bodyPr/>
+          <a:lstStyle/>
+          <a:p>
+            <a:r>
+              <a:rPr lang="en-GB" dirty="0" smtClean="0"/>
+              <a:t>Write down the advantages and disadvantages of the V-Shaped </a:t>
+            </a:r>
+            <a:r>
+              <a:rPr lang="en-GB" dirty="0"/>
+              <a:t>Model</a:t>
+            </a:r>
+          </a:p>
+        </p:txBody>
+      </p:sp>
+    </p:spTree>
+    <p:extLst>
+      <p:ext uri="{BB962C8B-B14F-4D97-AF65-F5344CB8AC3E}">
+        <p14:creationId xmlns:p14="http://schemas.microsoft.com/office/powerpoint/2010/main" val="1747694855"/>
+      </p:ext>
+    </p:extLst>
+  </p:cSld>
+  <p:clrMapOvr>
+    <a:masterClrMapping/>
+  </p:clrMapOvr>
+</p:sld>
+</file>
+
+<file path=ppt/slides/slide42.xml><?xml version="1.0" encoding="utf-8"?>
+<p:sld xmlns:a="http://schemas.openxmlformats.org/drawingml/2006/main" xmlns:r="http://schemas.openxmlformats.org/officeDocument/2006/relationships" xmlns:p="http://schemas.openxmlformats.org/presentationml/2006/main">
+  <p:cSld>
+    <p:spTree>
+      <p:nvGrpSpPr>
+        <p:cNvPr id="1" name=""/>
+        <p:cNvGrpSpPr/>
+        <p:nvPr/>
+      </p:nvGrpSpPr>
+      <p:grpSpPr>
+        <a:xfrm>
+          <a:off x="0" y="0"/>
+          <a:ext cx="0" cy="0"/>
+          <a:chOff x="0" y="0"/>
+          <a:chExt cx="0" cy="0"/>
+        </a:xfrm>
+      </p:grpSpPr>
+      <p:sp>
+        <p:nvSpPr>
+          <p:cNvPr id="2" name="Title 1"/>
+          <p:cNvSpPr>
+            <a:spLocks noGrp="1"/>
+          </p:cNvSpPr>
+          <p:nvPr>
+            <p:ph type="title"/>
+          </p:nvPr>
+        </p:nvSpPr>
+        <p:spPr/>
+        <p:txBody>
+          <a:bodyPr/>
+          <a:lstStyle/>
+          <a:p>
+            <a:r>
+              <a:rPr lang="en-GB" dirty="0" smtClean="0"/>
+              <a:t>Answer</a:t>
+            </a:r>
+            <a:endParaRPr lang="en-GB" dirty="0"/>
+          </a:p>
+        </p:txBody>
+      </p:sp>
+      <p:sp>
+        <p:nvSpPr>
+          <p:cNvPr id="3" name="Content Placeholder 2"/>
+          <p:cNvSpPr>
+            <a:spLocks noGrp="1"/>
+          </p:cNvSpPr>
+          <p:nvPr>
+            <p:ph idx="1"/>
+          </p:nvPr>
+        </p:nvSpPr>
+        <p:spPr/>
+        <p:txBody>
+          <a:bodyPr/>
+          <a:lstStyle/>
+          <a:p>
+            <a:endParaRPr lang="en-GB"/>
+          </a:p>
+        </p:txBody>
+      </p:sp>
+      <p:pic>
+        <p:nvPicPr>
+          <p:cNvPr id="4" name="Picture 2"/>
+          <p:cNvPicPr>
+            <a:picLocks noChangeAspect="1" noChangeArrowheads="1"/>
+          </p:cNvPicPr>
+          <p:nvPr/>
+        </p:nvPicPr>
+        <p:blipFill>
+          <a:blip r:embed="rId2"/>
+          <a:srcRect/>
+          <a:stretch>
+            <a:fillRect/>
+          </a:stretch>
+        </p:blipFill>
+        <p:spPr bwMode="auto">
+          <a:xfrm>
+            <a:off x="381000" y="1981200"/>
+            <a:ext cx="8258175" cy="3886200"/>
+          </a:xfrm>
+          <a:prstGeom prst="rect">
+            <a:avLst/>
+          </a:prstGeom>
+          <a:noFill/>
+          <a:ln w="9525">
+            <a:noFill/>
+            <a:miter lim="800000"/>
+            <a:headEnd/>
+            <a:tailEnd/>
+          </a:ln>
+          <a:effectLst/>
+        </p:spPr>
+      </p:pic>
+    </p:spTree>
+    <p:extLst>
+      <p:ext uri="{BB962C8B-B14F-4D97-AF65-F5344CB8AC3E}">
+        <p14:creationId xmlns:p14="http://schemas.microsoft.com/office/powerpoint/2010/main" val="3478697853"/>
+      </p:ext>
+    </p:extLst>
+  </p:cSld>
+  <p:clrMapOvr>
+    <a:masterClrMapping/>
+  </p:clrMapOvr>
+</p:sld>
+</file>
+
+<file path=ppt/slides/slide43.xml><?xml version="1.0" encoding="utf-8"?>
+<p:sld xmlns:a="http://schemas.openxmlformats.org/drawingml/2006/main" xmlns:r="http://schemas.openxmlformats.org/officeDocument/2006/relationships" xmlns:p="http://schemas.openxmlformats.org/presentationml/2006/main">
+  <p:cSld>
+    <p:spTree>
+      <p:nvGrpSpPr>
+        <p:cNvPr id="1" name=""/>
+        <p:cNvGrpSpPr/>
+        <p:nvPr/>
+      </p:nvGrpSpPr>
+      <p:grpSpPr>
+        <a:xfrm>
+          <a:off x="0" y="0"/>
+          <a:ext cx="0" cy="0"/>
+          <a:chOff x="0" y="0"/>
+          <a:chExt cx="0" cy="0"/>
+        </a:xfrm>
+      </p:grpSpPr>
+      <p:sp>
+        <p:nvSpPr>
+          <p:cNvPr id="2" name="Title 1"/>
+          <p:cNvSpPr>
+            <a:spLocks noGrp="1"/>
+          </p:cNvSpPr>
+          <p:nvPr>
+            <p:ph type="title"/>
+          </p:nvPr>
+        </p:nvSpPr>
+        <p:spPr/>
+        <p:txBody>
+          <a:bodyPr/>
+          <a:lstStyle/>
+          <a:p>
+            <a:r>
+              <a:rPr lang="en-US" dirty="0" smtClean="0"/>
+              <a:t>Discussion</a:t>
+            </a:r>
+            <a:endParaRPr lang="en-US" dirty="0"/>
+          </a:p>
+        </p:txBody>
+      </p:sp>
+      <p:sp>
+        <p:nvSpPr>
+          <p:cNvPr id="3" name="Content Placeholder 2"/>
+          <p:cNvSpPr>
+            <a:spLocks noGrp="1"/>
+          </p:cNvSpPr>
+          <p:nvPr>
+            <p:ph idx="1"/>
+          </p:nvPr>
+        </p:nvSpPr>
+        <p:spPr/>
+        <p:txBody>
+          <a:bodyPr/>
+          <a:lstStyle/>
+          <a:p>
+            <a:r>
+              <a:rPr lang="en-US" dirty="0" smtClean="0"/>
+              <a:t>When would you use an Iterative or Incremental approach?</a:t>
+            </a:r>
+            <a:endParaRPr lang="en-US" dirty="0"/>
+          </a:p>
+        </p:txBody>
+      </p:sp>
+      <p:pic>
+        <p:nvPicPr>
+          <p:cNvPr id="4" name="Picture 1"/>
+          <p:cNvPicPr>
+            <a:picLocks noChangeAspect="1"/>
+          </p:cNvPicPr>
+          <p:nvPr/>
+        </p:nvPicPr>
+        <p:blipFill>
+          <a:blip r:embed="rId2">
+            <a:extLst>
+              <a:ext uri="{28A0092B-C50C-407E-A947-70E740481C1C}">
+                <a14:useLocalDpi xmlns:a14="http://schemas.microsoft.com/office/drawing/2010/main" val="0"/>
+              </a:ext>
+            </a:extLst>
+          </a:blip>
+          <a:srcRect/>
+          <a:stretch>
+            <a:fillRect/>
+          </a:stretch>
+        </p:blipFill>
+        <p:spPr bwMode="auto">
+          <a:xfrm>
+            <a:off x="2819400" y="4038600"/>
+            <a:ext cx="2667000" cy="2184400"/>
+          </a:xfrm>
+          <a:prstGeom prst="rect">
+            <a:avLst/>
+          </a:prstGeom>
+          <a:noFill/>
+          <a:ln>
+            <a:noFill/>
+          </a:ln>
+          <a:extLst>
+            <a:ext uri="{909E8E84-426E-40DD-AFC4-6F175D3DCCD1}">
+              <a14:hiddenFill xmlns:a14="http://schemas.microsoft.com/office/drawing/2010/main">
+                <a:solidFill>
+                  <a:srgbClr val="FFFFFF"/>
+                </a:solidFill>
+              </a14:hiddenFill>
+            </a:ext>
+            <a:ext uri="{91240B29-F687-4F45-9708-019B960494DF}">
+              <a14:hiddenLine xmlns:a14="http://schemas.microsoft.com/office/drawing/2010/main" w="9525">
+                <a:solidFill>
+                  <a:srgbClr val="000000"/>
+                </a:solidFill>
+                <a:miter lim="800000"/>
+                <a:headEnd/>
+                <a:tailEnd/>
+              </a14:hiddenLine>
+            </a:ext>
+          </a:extLst>
+        </p:spPr>
+      </p:pic>
+    </p:spTree>
+    <p:extLst>
+      <p:ext uri="{BB962C8B-B14F-4D97-AF65-F5344CB8AC3E}">
+        <p14:creationId xmlns:p14="http://schemas.microsoft.com/office/powerpoint/2010/main" val="3748402236"/>
+      </p:ext>
+    </p:extLst>
+  </p:cSld>
+  <p:clrMapOvr>
+    <a:masterClrMapping/>
+  </p:clrMapOvr>
+</p:sld>
+</file>
+
+<file path=ppt/slides/slide44.xml><?xml version="1.0" encoding="utf-8"?>
+<p:sld xmlns:a="http://schemas.openxmlformats.org/drawingml/2006/main" xmlns:r="http://schemas.openxmlformats.org/officeDocument/2006/relationships" xmlns:p="http://schemas.openxmlformats.org/presentationml/2006/main">
+  <p:cSld>
+    <p:spTree>
+      <p:nvGrpSpPr>
+        <p:cNvPr id="1" name=""/>
+        <p:cNvGrpSpPr/>
+        <p:nvPr/>
+      </p:nvGrpSpPr>
+      <p:grpSpPr>
+        <a:xfrm>
+          <a:off x="0" y="0"/>
+          <a:ext cx="0" cy="0"/>
+          <a:chOff x="0" y="0"/>
+          <a:chExt cx="0" cy="0"/>
+        </a:xfrm>
+      </p:grpSpPr>
+      <p:sp>
+        <p:nvSpPr>
+          <p:cNvPr id="11266" name="Title 1"/>
+          <p:cNvSpPr>
+            <a:spLocks noGrp="1"/>
+          </p:cNvSpPr>
+          <p:nvPr>
+            <p:ph type="title"/>
+          </p:nvPr>
+        </p:nvSpPr>
+        <p:spPr/>
+        <p:txBody>
+          <a:bodyPr/>
+          <a:lstStyle/>
+          <a:p>
+            <a:r>
+              <a:rPr lang="en-GB" altLang="en-US" smtClean="0"/>
+              <a:t>Summary</a:t>
+            </a:r>
+          </a:p>
+        </p:txBody>
+      </p:sp>
+      <p:sp>
+        <p:nvSpPr>
+          <p:cNvPr id="11267" name="Content Placeholder 2"/>
+          <p:cNvSpPr>
+            <a:spLocks noGrp="1"/>
+          </p:cNvSpPr>
+          <p:nvPr>
+            <p:ph idx="1"/>
+          </p:nvPr>
+        </p:nvSpPr>
+        <p:spPr/>
+        <p:txBody>
+          <a:bodyPr/>
+          <a:lstStyle/>
+          <a:p>
+            <a:r>
+              <a:rPr lang="en-GB" altLang="en-US" dirty="0" smtClean="0"/>
+              <a:t>Review</a:t>
+            </a:r>
+          </a:p>
+          <a:p>
+            <a:r>
+              <a:rPr lang="en-GB" altLang="en-US" dirty="0" smtClean="0"/>
+              <a:t>Case Study</a:t>
+            </a:r>
+          </a:p>
+          <a:p>
+            <a:r>
+              <a:rPr lang="en-GB" altLang="en-US" dirty="0" smtClean="0"/>
+              <a:t>Example Problems/Solutions</a:t>
+            </a:r>
+          </a:p>
+          <a:p>
+            <a:r>
+              <a:rPr lang="en-GB" altLang="en-US" dirty="0" smtClean="0"/>
+              <a:t>Final Exam (January)</a:t>
+            </a:r>
+          </a:p>
+          <a:p>
+            <a:r>
+              <a:rPr lang="en-GB" altLang="en-US" dirty="0" smtClean="0"/>
+              <a:t>Group Project</a:t>
+            </a:r>
+          </a:p>
+          <a:p>
+            <a:r>
+              <a:rPr lang="en-GB" altLang="en-US" dirty="0" smtClean="0"/>
+              <a:t>Review Questions</a:t>
+            </a:r>
+          </a:p>
+          <a:p>
+            <a:endParaRPr lang="en-GB" altLang="en-US" dirty="0" smtClean="0"/>
+          </a:p>
+        </p:txBody>
+      </p:sp>
+    </p:spTree>
+  </p:cSld>
+  <p:clrMapOvr>
+    <a:masterClrMapping/>
+  </p:clrMapOvr>
+  <p:timing>
+    <p:tnLst>
+      <p:par>
+        <p:cTn id="1" dur="indefinite" restart="never" nodeType="tmRoot"/>
+      </p:par>
+    </p:tnLst>
+  </p:timing>
+</p:sld>
+</file>
+
+<file path=ppt/slides/slide45.xml><?xml version="1.0" encoding="utf-8"?>
+<p:sld xmlns:a="http://schemas.openxmlformats.org/drawingml/2006/main" xmlns:r="http://schemas.openxmlformats.org/officeDocument/2006/relationships" xmlns:p="http://schemas.openxmlformats.org/presentationml/2006/main">
+  <p:cSld>
+    <p:spTree>
+      <p:nvGrpSpPr>
+        <p:cNvPr id="1" name=""/>
+        <p:cNvGrpSpPr/>
+        <p:nvPr/>
+      </p:nvGrpSpPr>
+      <p:grpSpPr>
+        <a:xfrm>
+          <a:off x="0" y="0"/>
+          <a:ext cx="0" cy="0"/>
+          <a:chOff x="0" y="0"/>
+          <a:chExt cx="0" cy="0"/>
+        </a:xfrm>
+      </p:grpSpPr>
+      <p:sp>
+        <p:nvSpPr>
+          <p:cNvPr id="12290" name="Title 1"/>
+          <p:cNvSpPr>
+            <a:spLocks noGrp="1"/>
+          </p:cNvSpPr>
+          <p:nvPr>
+            <p:ph type="title"/>
+          </p:nvPr>
+        </p:nvSpPr>
+        <p:spPr/>
+        <p:txBody>
+          <a:bodyPr/>
+          <a:lstStyle/>
+          <a:p>
+            <a:r>
+              <a:rPr lang="en-GB" altLang="en-US" smtClean="0"/>
+              <a:t>This Week</a:t>
+            </a:r>
+          </a:p>
+        </p:txBody>
+      </p:sp>
+      <p:sp>
+        <p:nvSpPr>
+          <p:cNvPr id="12291" name="Content Placeholder 2"/>
+          <p:cNvSpPr>
+            <a:spLocks noGrp="1"/>
+          </p:cNvSpPr>
+          <p:nvPr>
+            <p:ph idx="1"/>
+          </p:nvPr>
+        </p:nvSpPr>
+        <p:spPr/>
+        <p:txBody>
+          <a:bodyPr/>
+          <a:lstStyle/>
+          <a:p>
+            <a:r>
+              <a:rPr lang="en-GB" altLang="en-US" dirty="0" smtClean="0"/>
+              <a:t>Review Slides</a:t>
+            </a:r>
+          </a:p>
+          <a:p>
+            <a:r>
+              <a:rPr lang="en-GB" altLang="en-US" dirty="0" smtClean="0"/>
+              <a:t>Coursework</a:t>
+            </a:r>
+          </a:p>
+          <a:p>
+            <a:r>
+              <a:rPr lang="en-GB" altLang="en-US" dirty="0" smtClean="0"/>
+              <a:t>Reviewing Quiz Questions</a:t>
+            </a:r>
+          </a:p>
+          <a:p>
+            <a:r>
+              <a:rPr lang="en-GB" altLang="en-US" dirty="0" smtClean="0"/>
+              <a:t>Reviewing Associated Chapter</a:t>
+            </a:r>
+          </a:p>
+          <a:p>
+            <a:pPr>
+              <a:buNone/>
+            </a:pPr>
+            <a:endParaRPr lang="en-GB" altLang="en-US" dirty="0" smtClean="0"/>
+          </a:p>
+        </p:txBody>
+      </p:sp>
+    </p:spTree>
+  </p:cSld>
+  <p:clrMapOvr>
+    <a:masterClrMapping/>
+  </p:clrMapOvr>
+  <p:timing>
+    <p:tnLst>
+      <p:par>
+        <p:cTn id="1" dur="indefinite" restart="never" nodeType="tmRoot"/>
+      </p:par>
+    </p:tnLst>
+  </p:timing>
+</p:sld>
+</file>
+
+<file path=ppt/slides/slide46.xml><?xml version="1.0" encoding="utf-8"?>
+<p:sld xmlns:a="http://schemas.openxmlformats.org/drawingml/2006/main" xmlns:r="http://schemas.openxmlformats.org/officeDocument/2006/relationships" xmlns:p="http://schemas.openxmlformats.org/presentationml/2006/main">
+  <p:cSld>
+    <p:spTree>
+      <p:nvGrpSpPr>
+        <p:cNvPr id="1" name=""/>
+        <p:cNvGrpSpPr/>
+        <p:nvPr/>
+      </p:nvGrpSpPr>
+      <p:grpSpPr>
+        <a:xfrm>
+          <a:off x="0" y="0"/>
+          <a:ext cx="0" cy="0"/>
+          <a:chOff x="0" y="0"/>
+          <a:chExt cx="0" cy="0"/>
+        </a:xfrm>
+      </p:grpSpPr>
+      <p:sp>
+        <p:nvSpPr>
+          <p:cNvPr id="2" name="Title 1"/>
+          <p:cNvSpPr>
+            <a:spLocks noGrp="1"/>
+          </p:cNvSpPr>
+          <p:nvPr>
+            <p:ph type="title"/>
+          </p:nvPr>
+        </p:nvSpPr>
+        <p:spPr/>
+        <p:txBody>
+          <a:bodyPr/>
+          <a:lstStyle/>
+          <a:p>
+            <a:r>
+              <a:rPr lang="en-GB" dirty="0" smtClean="0"/>
+              <a:t>Question</a:t>
+            </a:r>
+            <a:endParaRPr lang="en-GB" dirty="0"/>
+          </a:p>
+        </p:txBody>
+      </p:sp>
+      <p:sp>
+        <p:nvSpPr>
+          <p:cNvPr id="3" name="Content Placeholder 2"/>
+          <p:cNvSpPr>
+            <a:spLocks noGrp="1"/>
+          </p:cNvSpPr>
+          <p:nvPr>
+            <p:ph idx="1"/>
+          </p:nvPr>
+        </p:nvSpPr>
+        <p:spPr/>
+        <p:txBody>
+          <a:bodyPr/>
+          <a:lstStyle/>
+          <a:p>
+            <a:r>
+              <a:rPr lang="en-GB" dirty="0" smtClean="0"/>
+              <a:t>Deadline for final group project submission?</a:t>
+            </a:r>
+            <a:endParaRPr lang="en-GB" dirty="0"/>
+          </a:p>
+        </p:txBody>
+      </p:sp>
+    </p:spTree>
+    <p:extLst>
+      <p:ext uri="{BB962C8B-B14F-4D97-AF65-F5344CB8AC3E}">
+        <p14:creationId xmlns:p14="http://schemas.microsoft.com/office/powerpoint/2010/main" val="3611135855"/>
+      </p:ext>
+    </p:extLst>
+  </p:cSld>
+  <p:clrMapOvr>
+    <a:masterClrMapping/>
+  </p:clrMapOvr>
+</p:sld>
+</file>
+
+<file path=ppt/slides/slide47.xml><?xml version="1.0" encoding="utf-8"?>
+<p:sld xmlns:a="http://schemas.openxmlformats.org/drawingml/2006/main" xmlns:r="http://schemas.openxmlformats.org/officeDocument/2006/relationships" xmlns:p="http://schemas.openxmlformats.org/presentationml/2006/main">
+  <p:cSld>
+    <p:spTree>
+      <p:nvGrpSpPr>
+        <p:cNvPr id="1" name=""/>
+        <p:cNvGrpSpPr/>
+        <p:nvPr/>
+      </p:nvGrpSpPr>
+      <p:grpSpPr>
+        <a:xfrm>
+          <a:off x="0" y="0"/>
+          <a:ext cx="0" cy="0"/>
+          <a:chOff x="0" y="0"/>
+          <a:chExt cx="0" cy="0"/>
+        </a:xfrm>
+      </p:grpSpPr>
+      <p:sp>
+        <p:nvSpPr>
+          <p:cNvPr id="2" name="Title 1"/>
+          <p:cNvSpPr>
+            <a:spLocks noGrp="1"/>
+          </p:cNvSpPr>
+          <p:nvPr>
+            <p:ph type="title"/>
+          </p:nvPr>
+        </p:nvSpPr>
+        <p:spPr/>
+        <p:txBody>
+          <a:bodyPr/>
+          <a:lstStyle/>
+          <a:p>
+            <a:r>
+              <a:rPr lang="en-GB" dirty="0" smtClean="0"/>
+              <a:t>Answer</a:t>
+            </a:r>
+            <a:endParaRPr lang="en-GB" dirty="0"/>
+          </a:p>
+        </p:txBody>
+      </p:sp>
+      <p:sp>
+        <p:nvSpPr>
+          <p:cNvPr id="3" name="Content Placeholder 2"/>
+          <p:cNvSpPr>
+            <a:spLocks noGrp="1"/>
+          </p:cNvSpPr>
+          <p:nvPr>
+            <p:ph idx="1"/>
+          </p:nvPr>
+        </p:nvSpPr>
+        <p:spPr/>
+        <p:txBody>
+          <a:bodyPr/>
+          <a:lstStyle/>
+          <a:p>
+            <a:r>
+              <a:rPr lang="en-GB" dirty="0" smtClean="0"/>
+              <a:t>25</a:t>
+            </a:r>
+            <a:r>
+              <a:rPr lang="en-GB" baseline="30000" dirty="0" smtClean="0"/>
+              <a:t>th</a:t>
+            </a:r>
+            <a:r>
+              <a:rPr lang="en-GB" dirty="0" smtClean="0"/>
+              <a:t> December</a:t>
+            </a:r>
+          </a:p>
+          <a:p>
+            <a:endParaRPr lang="en-GB" dirty="0"/>
+          </a:p>
+          <a:p>
+            <a:pPr marL="0" indent="0">
+              <a:buNone/>
+            </a:pPr>
+            <a:r>
+              <a:rPr lang="en-GB" dirty="0" smtClean="0"/>
+              <a:t>Also deadline for </a:t>
+            </a:r>
+            <a:r>
+              <a:rPr lang="en-GB" smtClean="0"/>
+              <a:t>online quizzes</a:t>
+            </a:r>
+            <a:endParaRPr lang="en-GB"/>
+          </a:p>
+        </p:txBody>
+      </p:sp>
+    </p:spTree>
+    <p:extLst>
+      <p:ext uri="{BB962C8B-B14F-4D97-AF65-F5344CB8AC3E}">
+        <p14:creationId xmlns:p14="http://schemas.microsoft.com/office/powerpoint/2010/main" val="2051988775"/>
+      </p:ext>
+    </p:extLst>
+  </p:cSld>
+  <p:clrMapOvr>
+    <a:masterClrMapping/>
+  </p:clrMapOvr>
+</p:sld>
+</file>
+
+<file path=ppt/slides/slide48.xml><?xml version="1.0" encoding="utf-8"?>
+<p:sld xmlns:a="http://schemas.openxmlformats.org/drawingml/2006/main" xmlns:r="http://schemas.openxmlformats.org/officeDocument/2006/relationships" xmlns:p="http://schemas.openxmlformats.org/presentationml/2006/main">
+  <p:cSld>
+    <p:spTree>
+      <p:nvGrpSpPr>
+        <p:cNvPr id="1" name=""/>
+        <p:cNvGrpSpPr/>
+        <p:nvPr/>
+      </p:nvGrpSpPr>
+      <p:grpSpPr>
+        <a:xfrm>
+          <a:off x="0" y="0"/>
+          <a:ext cx="0" cy="0"/>
+          <a:chOff x="0" y="0"/>
+          <a:chExt cx="0" cy="0"/>
+        </a:xfrm>
+      </p:grpSpPr>
+      <p:sp>
+        <p:nvSpPr>
+          <p:cNvPr id="13314" name="Title 1"/>
+          <p:cNvSpPr>
+            <a:spLocks noGrp="1"/>
+          </p:cNvSpPr>
+          <p:nvPr>
+            <p:ph type="title"/>
+          </p:nvPr>
+        </p:nvSpPr>
+        <p:spPr/>
+        <p:txBody>
+          <a:bodyPr/>
+          <a:lstStyle/>
+          <a:p>
+            <a:pPr eaLnBrk="1" hangingPunct="1"/>
+            <a:r>
+              <a:rPr lang="en-GB" altLang="en-US" smtClean="0"/>
+              <a:t>Questions/Discussion</a:t>
+            </a:r>
+          </a:p>
+        </p:txBody>
+      </p:sp>
+      <p:sp>
+        <p:nvSpPr>
+          <p:cNvPr id="13315" name="Content Placeholder 2"/>
+          <p:cNvSpPr>
+            <a:spLocks noGrp="1"/>
+          </p:cNvSpPr>
+          <p:nvPr>
+            <p:ph idx="1"/>
+          </p:nvPr>
+        </p:nvSpPr>
+        <p:spPr/>
+        <p:txBody>
+          <a:bodyPr/>
+          <a:lstStyle/>
+          <a:p>
+            <a:pPr eaLnBrk="1" hangingPunct="1"/>
+            <a:endParaRPr lang="en-GB" altLang="en-US" smtClean="0"/>
+          </a:p>
+        </p:txBody>
+      </p:sp>
+    </p:spTree>
+  </p:cSld>
+  <p:clrMapOvr>
+    <a:masterClrMapping/>
+  </p:clrMapOvr>
+  <p:timing>
+    <p:tnLst>
+      <p:par>
+        <p:cTn id="1" dur="indefinite" restart="never" nodeType="tmRoot"/>
+      </p:par>
+    </p:tnLst>
+  </p:timing>
 </p:sld>
 </file>
 
@@ -7319,13 +8890,8 @@
             </a:r>
             <a:r>
               <a:rPr lang="en-GB" dirty="0" smtClean="0"/>
-              <a:t>for a </a:t>
-            </a:r>
-            <a:r>
-              <a:rPr lang="en-GB" dirty="0" smtClean="0"/>
-              <a:t>Online Ticket Reservation System</a:t>
-            </a:r>
-            <a:endParaRPr lang="en-GB" dirty="0" smtClean="0"/>
+              <a:t>for a Online Ticket Reservation System</a:t>
+            </a:r>
           </a:p>
           <a:p>
             <a:pPr marL="0" indent="0">

--- a/OOAD/lectures/120--ExamplesC.pptx
+++ b/OOAD/lectures/120--ExamplesC.pptx
@@ -186,7 +186,7 @@
   </p:defaultTextStyle>
   <p:extLst>
     <p:ext uri="{EFAFB233-063F-42B5-8137-9DF3F51BA10A}">
-      <p15:sldGuideLst xmlns:p15="http://schemas.microsoft.com/office/powerpoint/2012/main">
+      <p15:sldGuideLst xmlns:p15="http://schemas.microsoft.com/office/powerpoint/2012/main" xmlns="">
         <p15:guide id="1" orient="horz" pos="2160">
           <p15:clr>
             <a:srgbClr val="A4A3A4"/>
@@ -253,14 +253,14 @@
           <a:effectLst/>
           <a:extLst>
             <a:ext uri="{909E8E84-426E-40DD-AFC4-6F175D3DCCD1}">
-              <a14:hiddenFill xmlns:a14="http://schemas.microsoft.com/office/drawing/2010/main">
+              <a14:hiddenFill xmlns:a14="http://schemas.microsoft.com/office/drawing/2010/main" xmlns="">
                 <a:solidFill>
                   <a:schemeClr val="accent1"/>
                 </a:solidFill>
               </a14:hiddenFill>
             </a:ext>
             <a:ext uri="{91240B29-F687-4F45-9708-019B960494DF}">
-              <a14:hiddenLine xmlns:a14="http://schemas.microsoft.com/office/drawing/2010/main" w="9525">
+              <a14:hiddenLine xmlns:a14="http://schemas.microsoft.com/office/drawing/2010/main" xmlns="" w="9525">
                 <a:solidFill>
                   <a:schemeClr val="tx1"/>
                 </a:solidFill>
@@ -270,7 +270,7 @@
               </a14:hiddenLine>
             </a:ext>
             <a:ext uri="{AF507438-7753-43E0-B8FC-AC1667EBCBE1}">
-              <a14:hiddenEffects xmlns:a14="http://schemas.microsoft.com/office/drawing/2010/main">
+              <a14:hiddenEffects xmlns:a14="http://schemas.microsoft.com/office/drawing/2010/main" xmlns="">
                 <a:effectLst>
                   <a:outerShdw dist="35921" dir="2700000" algn="ctr" rotWithShape="0">
                     <a:schemeClr val="bg2"/>
@@ -324,14 +324,14 @@
           <a:effectLst/>
           <a:extLst>
             <a:ext uri="{909E8E84-426E-40DD-AFC4-6F175D3DCCD1}">
-              <a14:hiddenFill xmlns:a14="http://schemas.microsoft.com/office/drawing/2010/main">
+              <a14:hiddenFill xmlns:a14="http://schemas.microsoft.com/office/drawing/2010/main" xmlns="">
                 <a:solidFill>
                   <a:schemeClr val="accent1"/>
                 </a:solidFill>
               </a14:hiddenFill>
             </a:ext>
             <a:ext uri="{91240B29-F687-4F45-9708-019B960494DF}">
-              <a14:hiddenLine xmlns:a14="http://schemas.microsoft.com/office/drawing/2010/main" w="9525">
+              <a14:hiddenLine xmlns:a14="http://schemas.microsoft.com/office/drawing/2010/main" xmlns="" w="9525">
                 <a:solidFill>
                   <a:schemeClr val="tx1"/>
                 </a:solidFill>
@@ -341,7 +341,7 @@
               </a14:hiddenLine>
             </a:ext>
             <a:ext uri="{AF507438-7753-43E0-B8FC-AC1667EBCBE1}">
-              <a14:hiddenEffects xmlns:a14="http://schemas.microsoft.com/office/drawing/2010/main">
+              <a14:hiddenEffects xmlns:a14="http://schemas.microsoft.com/office/drawing/2010/main" xmlns="">
                 <a:effectLst>
                   <a:outerShdw dist="35921" dir="2700000" algn="ctr" rotWithShape="0">
                     <a:schemeClr val="bg2"/>
@@ -400,14 +400,14 @@
           <a:effectLst/>
           <a:extLst>
             <a:ext uri="{909E8E84-426E-40DD-AFC4-6F175D3DCCD1}">
-              <a14:hiddenFill xmlns:a14="http://schemas.microsoft.com/office/drawing/2010/main">
+              <a14:hiddenFill xmlns:a14="http://schemas.microsoft.com/office/drawing/2010/main" xmlns="">
                 <a:solidFill>
                   <a:srgbClr val="FFFFFF"/>
                 </a:solidFill>
               </a14:hiddenFill>
             </a:ext>
             <a:ext uri="{AF507438-7753-43E0-B8FC-AC1667EBCBE1}">
-              <a14:hiddenEffects xmlns:a14="http://schemas.microsoft.com/office/drawing/2010/main">
+              <a14:hiddenEffects xmlns:a14="http://schemas.microsoft.com/office/drawing/2010/main" xmlns="">
                 <a:effectLst>
                   <a:outerShdw dist="35921" dir="2700000" algn="ctr" rotWithShape="0">
                     <a:srgbClr val="808080"/>
@@ -416,7 +416,7 @@
               </a14:hiddenEffects>
             </a:ext>
             <a:ext uri="{53640926-AAD7-44D8-BBD7-CCE9431645EC}">
-              <a14:shadowObscured xmlns:a14="http://schemas.microsoft.com/office/drawing/2010/main" val="1"/>
+              <a14:shadowObscured xmlns:a14="http://schemas.microsoft.com/office/drawing/2010/main" xmlns="" val="1"/>
             </a:ext>
           </a:extLst>
         </p:spPr>
@@ -446,14 +446,14 @@
           <a:effectLst/>
           <a:extLst>
             <a:ext uri="{909E8E84-426E-40DD-AFC4-6F175D3DCCD1}">
-              <a14:hiddenFill xmlns:a14="http://schemas.microsoft.com/office/drawing/2010/main">
+              <a14:hiddenFill xmlns:a14="http://schemas.microsoft.com/office/drawing/2010/main" xmlns="">
                 <a:solidFill>
                   <a:schemeClr val="accent1"/>
                 </a:solidFill>
               </a14:hiddenFill>
             </a:ext>
             <a:ext uri="{91240B29-F687-4F45-9708-019B960494DF}">
-              <a14:hiddenLine xmlns:a14="http://schemas.microsoft.com/office/drawing/2010/main" w="9525">
+              <a14:hiddenLine xmlns:a14="http://schemas.microsoft.com/office/drawing/2010/main" xmlns="" w="9525">
                 <a:solidFill>
                   <a:schemeClr val="tx1"/>
                 </a:solidFill>
@@ -463,7 +463,7 @@
               </a14:hiddenLine>
             </a:ext>
             <a:ext uri="{AF507438-7753-43E0-B8FC-AC1667EBCBE1}">
-              <a14:hiddenEffects xmlns:a14="http://schemas.microsoft.com/office/drawing/2010/main">
+              <a14:hiddenEffects xmlns:a14="http://schemas.microsoft.com/office/drawing/2010/main" xmlns="">
                 <a:effectLst>
                   <a:outerShdw dist="35921" dir="2700000" algn="ctr" rotWithShape="0">
                     <a:schemeClr val="bg2"/>
@@ -542,14 +542,14 @@
           <a:effectLst/>
           <a:extLst>
             <a:ext uri="{909E8E84-426E-40DD-AFC4-6F175D3DCCD1}">
-              <a14:hiddenFill xmlns:a14="http://schemas.microsoft.com/office/drawing/2010/main">
+              <a14:hiddenFill xmlns:a14="http://schemas.microsoft.com/office/drawing/2010/main" xmlns="">
                 <a:solidFill>
                   <a:schemeClr val="accent1"/>
                 </a:solidFill>
               </a14:hiddenFill>
             </a:ext>
             <a:ext uri="{91240B29-F687-4F45-9708-019B960494DF}">
-              <a14:hiddenLine xmlns:a14="http://schemas.microsoft.com/office/drawing/2010/main" w="9525">
+              <a14:hiddenLine xmlns:a14="http://schemas.microsoft.com/office/drawing/2010/main" xmlns="" w="9525">
                 <a:solidFill>
                   <a:schemeClr val="tx1"/>
                 </a:solidFill>
@@ -559,7 +559,7 @@
               </a14:hiddenLine>
             </a:ext>
             <a:ext uri="{AF507438-7753-43E0-B8FC-AC1667EBCBE1}">
-              <a14:hiddenEffects xmlns:a14="http://schemas.microsoft.com/office/drawing/2010/main">
+              <a14:hiddenEffects xmlns:a14="http://schemas.microsoft.com/office/drawing/2010/main" xmlns="">
                 <a:effectLst>
                   <a:outerShdw dist="35921" dir="2700000" algn="ctr" rotWithShape="0">
                     <a:schemeClr val="bg2"/>
@@ -613,14 +613,14 @@
           <a:effectLst/>
           <a:extLst>
             <a:ext uri="{909E8E84-426E-40DD-AFC4-6F175D3DCCD1}">
-              <a14:hiddenFill xmlns:a14="http://schemas.microsoft.com/office/drawing/2010/main">
+              <a14:hiddenFill xmlns:a14="http://schemas.microsoft.com/office/drawing/2010/main" xmlns="">
                 <a:solidFill>
                   <a:schemeClr val="accent1"/>
                 </a:solidFill>
               </a14:hiddenFill>
             </a:ext>
             <a:ext uri="{91240B29-F687-4F45-9708-019B960494DF}">
-              <a14:hiddenLine xmlns:a14="http://schemas.microsoft.com/office/drawing/2010/main" w="9525">
+              <a14:hiddenLine xmlns:a14="http://schemas.microsoft.com/office/drawing/2010/main" xmlns="" w="9525">
                 <a:solidFill>
                   <a:schemeClr val="tx1"/>
                 </a:solidFill>
@@ -630,7 +630,7 @@
               </a14:hiddenLine>
             </a:ext>
             <a:ext uri="{AF507438-7753-43E0-B8FC-AC1667EBCBE1}">
-              <a14:hiddenEffects xmlns:a14="http://schemas.microsoft.com/office/drawing/2010/main">
+              <a14:hiddenEffects xmlns:a14="http://schemas.microsoft.com/office/drawing/2010/main" xmlns="">
                 <a:effectLst>
                   <a:outerShdw dist="35921" dir="2700000" algn="ctr" rotWithShape="0">
                     <a:schemeClr val="bg2"/>
@@ -669,7 +669,7 @@
     </p:spTree>
     <p:extLst>
       <p:ext uri="{BB962C8B-B14F-4D97-AF65-F5344CB8AC3E}">
-        <p14:creationId xmlns:p14="http://schemas.microsoft.com/office/powerpoint/2010/main" val="2414658636"/>
+        <p14:creationId xmlns:p14="http://schemas.microsoft.com/office/powerpoint/2010/main" xmlns="" val="2414658636"/>
       </p:ext>
     </p:extLst>
   </p:cSld>
@@ -916,7 +916,7 @@
     </p:spTree>
     <p:extLst>
       <p:ext uri="{BB962C8B-B14F-4D97-AF65-F5344CB8AC3E}">
-        <p14:creationId xmlns:p14="http://schemas.microsoft.com/office/powerpoint/2010/main" val="2993719422"/>
+        <p14:creationId xmlns:p14="http://schemas.microsoft.com/office/powerpoint/2010/main" xmlns="" val="2993719422"/>
       </p:ext>
     </p:extLst>
   </p:cSld>
@@ -1053,7 +1053,7 @@
               <a:pPr>
                 <a:defRPr/>
               </a:pPr>
-              <a:t>12/19/2017</a:t>
+              <a:t>12/20/2017</a:t>
             </a:fld>
             <a:endParaRPr lang="en-US" altLang="en-US"/>
           </a:p>
@@ -1140,7 +1140,7 @@
     </p:spTree>
     <p:extLst>
       <p:ext uri="{BB962C8B-B14F-4D97-AF65-F5344CB8AC3E}">
-        <p14:creationId xmlns:p14="http://schemas.microsoft.com/office/powerpoint/2010/main" val="1702088925"/>
+        <p14:creationId xmlns:p14="http://schemas.microsoft.com/office/powerpoint/2010/main" xmlns="" val="1702088925"/>
       </p:ext>
     </p:extLst>
   </p:cSld>
@@ -1287,7 +1287,7 @@
               <a:pPr>
                 <a:defRPr/>
               </a:pPr>
-              <a:t>12/19/2017</a:t>
+              <a:t>12/20/2017</a:t>
             </a:fld>
             <a:endParaRPr lang="en-US" altLang="en-US"/>
           </a:p>
@@ -1374,7 +1374,7 @@
     </p:spTree>
     <p:extLst>
       <p:ext uri="{BB962C8B-B14F-4D97-AF65-F5344CB8AC3E}">
-        <p14:creationId xmlns:p14="http://schemas.microsoft.com/office/powerpoint/2010/main" val="2123280044"/>
+        <p14:creationId xmlns:p14="http://schemas.microsoft.com/office/powerpoint/2010/main" xmlns="" val="2123280044"/>
       </p:ext>
     </p:extLst>
   </p:cSld>
@@ -1479,7 +1479,7 @@
     </p:spTree>
     <p:extLst>
       <p:ext uri="{BB962C8B-B14F-4D97-AF65-F5344CB8AC3E}">
-        <p14:creationId xmlns:p14="http://schemas.microsoft.com/office/powerpoint/2010/main" val="2596146328"/>
+        <p14:creationId xmlns:p14="http://schemas.microsoft.com/office/powerpoint/2010/main" xmlns="" val="2596146328"/>
       </p:ext>
     </p:extLst>
   </p:cSld>
@@ -1606,7 +1606,7 @@
     </p:spTree>
     <p:extLst>
       <p:ext uri="{BB962C8B-B14F-4D97-AF65-F5344CB8AC3E}">
-        <p14:creationId xmlns:p14="http://schemas.microsoft.com/office/powerpoint/2010/main" val="90560648"/>
+        <p14:creationId xmlns:p14="http://schemas.microsoft.com/office/powerpoint/2010/main" xmlns="" val="90560648"/>
       </p:ext>
     </p:extLst>
   </p:cSld>
@@ -1773,7 +1773,7 @@
     </p:spTree>
     <p:extLst>
       <p:ext uri="{BB962C8B-B14F-4D97-AF65-F5344CB8AC3E}">
-        <p14:creationId xmlns:p14="http://schemas.microsoft.com/office/powerpoint/2010/main" val="1116224263"/>
+        <p14:creationId xmlns:p14="http://schemas.microsoft.com/office/powerpoint/2010/main" xmlns="" val="1116224263"/>
       </p:ext>
     </p:extLst>
   </p:cSld>
@@ -2075,7 +2075,7 @@
     </p:spTree>
     <p:extLst>
       <p:ext uri="{BB962C8B-B14F-4D97-AF65-F5344CB8AC3E}">
-        <p14:creationId xmlns:p14="http://schemas.microsoft.com/office/powerpoint/2010/main" val="2880639976"/>
+        <p14:creationId xmlns:p14="http://schemas.microsoft.com/office/powerpoint/2010/main" xmlns="" val="2880639976"/>
       </p:ext>
     </p:extLst>
   </p:cSld>
@@ -2160,7 +2160,7 @@
               <a:pPr>
                 <a:defRPr/>
               </a:pPr>
-              <a:t>12/19/2017</a:t>
+              <a:t>12/20/2017</a:t>
             </a:fld>
             <a:endParaRPr lang="en-US" altLang="en-US"/>
           </a:p>
@@ -2247,7 +2247,7 @@
     </p:spTree>
     <p:extLst>
       <p:ext uri="{BB962C8B-B14F-4D97-AF65-F5344CB8AC3E}">
-        <p14:creationId xmlns:p14="http://schemas.microsoft.com/office/powerpoint/2010/main" val="1168934256"/>
+        <p14:creationId xmlns:p14="http://schemas.microsoft.com/office/powerpoint/2010/main" xmlns="" val="1168934256"/>
       </p:ext>
     </p:extLst>
   </p:cSld>
@@ -2309,7 +2309,7 @@
               <a:pPr>
                 <a:defRPr/>
               </a:pPr>
-              <a:t>12/19/2017</a:t>
+              <a:t>12/20/2017</a:t>
             </a:fld>
             <a:endParaRPr lang="en-US" altLang="en-US"/>
           </a:p>
@@ -2396,7 +2396,7 @@
     </p:spTree>
     <p:extLst>
       <p:ext uri="{BB962C8B-B14F-4D97-AF65-F5344CB8AC3E}">
-        <p14:creationId xmlns:p14="http://schemas.microsoft.com/office/powerpoint/2010/main" val="3498913031"/>
+        <p14:creationId xmlns:p14="http://schemas.microsoft.com/office/powerpoint/2010/main" xmlns="" val="3498913031"/>
       </p:ext>
     </p:extLst>
   </p:cSld>
@@ -2640,7 +2640,7 @@
               <a:pPr>
                 <a:defRPr/>
               </a:pPr>
-              <a:t>12/19/2017</a:t>
+              <a:t>12/20/2017</a:t>
             </a:fld>
             <a:endParaRPr lang="en-US" altLang="en-US"/>
           </a:p>
@@ -2727,7 +2727,7 @@
     </p:spTree>
     <p:extLst>
       <p:ext uri="{BB962C8B-B14F-4D97-AF65-F5344CB8AC3E}">
-        <p14:creationId xmlns:p14="http://schemas.microsoft.com/office/powerpoint/2010/main" val="4109471860"/>
+        <p14:creationId xmlns:p14="http://schemas.microsoft.com/office/powerpoint/2010/main" xmlns="" val="4109471860"/>
       </p:ext>
     </p:extLst>
   </p:cSld>
@@ -2948,7 +2948,7 @@
               <a:pPr>
                 <a:defRPr/>
               </a:pPr>
-              <a:t>12/19/2017</a:t>
+              <a:t>12/20/2017</a:t>
             </a:fld>
             <a:endParaRPr lang="en-US" altLang="en-US"/>
           </a:p>
@@ -3035,7 +3035,7 @@
     </p:spTree>
     <p:extLst>
       <p:ext uri="{BB962C8B-B14F-4D97-AF65-F5344CB8AC3E}">
-        <p14:creationId xmlns:p14="http://schemas.microsoft.com/office/powerpoint/2010/main" val="2173447662"/>
+        <p14:creationId xmlns:p14="http://schemas.microsoft.com/office/powerpoint/2010/main" xmlns="" val="2173447662"/>
       </p:ext>
     </p:extLst>
   </p:cSld>
@@ -3095,14 +3095,14 @@
           <a:effectLst/>
           <a:extLst>
             <a:ext uri="{909E8E84-426E-40DD-AFC4-6F175D3DCCD1}">
-              <a14:hiddenFill xmlns:a14="http://schemas.microsoft.com/office/drawing/2010/main">
+              <a14:hiddenFill xmlns:a14="http://schemas.microsoft.com/office/drawing/2010/main" xmlns="">
                 <a:solidFill>
                   <a:schemeClr val="accent1"/>
                 </a:solidFill>
               </a14:hiddenFill>
             </a:ext>
             <a:ext uri="{91240B29-F687-4F45-9708-019B960494DF}">
-              <a14:hiddenLine xmlns:a14="http://schemas.microsoft.com/office/drawing/2010/main" w="9525">
+              <a14:hiddenLine xmlns:a14="http://schemas.microsoft.com/office/drawing/2010/main" xmlns="" w="9525">
                 <a:solidFill>
                   <a:schemeClr val="tx1"/>
                 </a:solidFill>
@@ -3112,7 +3112,7 @@
               </a14:hiddenLine>
             </a:ext>
             <a:ext uri="{AF507438-7753-43E0-B8FC-AC1667EBCBE1}">
-              <a14:hiddenEffects xmlns:a14="http://schemas.microsoft.com/office/drawing/2010/main">
+              <a14:hiddenEffects xmlns:a14="http://schemas.microsoft.com/office/drawing/2010/main" xmlns="">
                 <a:effectLst>
                   <a:outerShdw dist="35921" dir="2700000" algn="ctr" rotWithShape="0">
                     <a:schemeClr val="bg2"/>
@@ -3163,14 +3163,14 @@
           <a:effectLst/>
           <a:extLst>
             <a:ext uri="{909E8E84-426E-40DD-AFC4-6F175D3DCCD1}">
-              <a14:hiddenFill xmlns:a14="http://schemas.microsoft.com/office/drawing/2010/main">
+              <a14:hiddenFill xmlns:a14="http://schemas.microsoft.com/office/drawing/2010/main" xmlns="">
                 <a:solidFill>
                   <a:schemeClr val="accent1"/>
                 </a:solidFill>
               </a14:hiddenFill>
             </a:ext>
             <a:ext uri="{91240B29-F687-4F45-9708-019B960494DF}">
-              <a14:hiddenLine xmlns:a14="http://schemas.microsoft.com/office/drawing/2010/main" w="9525">
+              <a14:hiddenLine xmlns:a14="http://schemas.microsoft.com/office/drawing/2010/main" xmlns="" w="9525">
                 <a:solidFill>
                   <a:schemeClr val="tx1"/>
                 </a:solidFill>
@@ -3180,7 +3180,7 @@
               </a14:hiddenLine>
             </a:ext>
             <a:ext uri="{AF507438-7753-43E0-B8FC-AC1667EBCBE1}">
-              <a14:hiddenEffects xmlns:a14="http://schemas.microsoft.com/office/drawing/2010/main">
+              <a14:hiddenEffects xmlns:a14="http://schemas.microsoft.com/office/drawing/2010/main" xmlns="">
                 <a:effectLst>
                   <a:outerShdw dist="35921" dir="2700000" algn="ctr" rotWithShape="0">
                     <a:schemeClr val="bg2"/>
@@ -3728,14 +3728,14 @@
           </a:ln>
           <a:extLst>
             <a:ext uri="{909E8E84-426E-40DD-AFC4-6F175D3DCCD1}">
-              <a14:hiddenFill xmlns:a14="http://schemas.microsoft.com/office/drawing/2010/main">
+              <a14:hiddenFill xmlns:a14="http://schemas.microsoft.com/office/drawing/2010/main" xmlns="">
                 <a:solidFill>
                   <a:srgbClr val="FFFFFF"/>
                 </a:solidFill>
               </a14:hiddenFill>
             </a:ext>
             <a:ext uri="{91240B29-F687-4F45-9708-019B960494DF}">
-              <a14:hiddenLine xmlns:a14="http://schemas.microsoft.com/office/drawing/2010/main" w="9525">
+              <a14:hiddenLine xmlns:a14="http://schemas.microsoft.com/office/drawing/2010/main" xmlns="" w="9525">
                 <a:solidFill>
                   <a:srgbClr val="000000"/>
                 </a:solidFill>
@@ -3936,7 +3936,7 @@
           <p:nvPr/>
         </p:nvPicPr>
         <p:blipFill>
-          <a:blip r:embed="rId2"/>
+          <a:blip r:embed="rId2" cstate="print"/>
           <a:stretch>
             <a:fillRect/>
           </a:stretch>
@@ -3982,7 +3982,7 @@
     </p:spTree>
     <p:extLst>
       <p:ext uri="{BB962C8B-B14F-4D97-AF65-F5344CB8AC3E}">
-        <p14:creationId xmlns:p14="http://schemas.microsoft.com/office/powerpoint/2010/main" val="2616963805"/>
+        <p14:creationId xmlns:p14="http://schemas.microsoft.com/office/powerpoint/2010/main" xmlns="" val="2616963805"/>
       </p:ext>
     </p:extLst>
   </p:cSld>
@@ -4064,10 +4064,10 @@
           <p:nvPr/>
         </p:nvPicPr>
         <p:blipFill>
-          <a:blip r:embed="rId2">
+          <a:blip r:embed="rId2" cstate="print">
             <a:extLst>
               <a:ext uri="{28A0092B-C50C-407E-A947-70E740481C1C}">
-                <a14:useLocalDpi xmlns:a14="http://schemas.microsoft.com/office/drawing/2010/main" val="0"/>
+                <a14:useLocalDpi xmlns:a14="http://schemas.microsoft.com/office/drawing/2010/main" xmlns="" val="0"/>
               </a:ext>
             </a:extLst>
           </a:blip>
@@ -4090,14 +4090,14 @@
           </a:ln>
           <a:extLst>
             <a:ext uri="{909E8E84-426E-40DD-AFC4-6F175D3DCCD1}">
-              <a14:hiddenFill xmlns:a14="http://schemas.microsoft.com/office/drawing/2010/main">
+              <a14:hiddenFill xmlns:a14="http://schemas.microsoft.com/office/drawing/2010/main" xmlns="">
                 <a:solidFill>
                   <a:srgbClr val="FFFFFF"/>
                 </a:solidFill>
               </a14:hiddenFill>
             </a:ext>
             <a:ext uri="{91240B29-F687-4F45-9708-019B960494DF}">
-              <a14:hiddenLine xmlns:a14="http://schemas.microsoft.com/office/drawing/2010/main" w="9525">
+              <a14:hiddenLine xmlns:a14="http://schemas.microsoft.com/office/drawing/2010/main" xmlns="" w="9525">
                 <a:solidFill>
                   <a:srgbClr val="000000"/>
                 </a:solidFill>
@@ -4112,7 +4112,7 @@
     </p:spTree>
     <p:extLst>
       <p:ext uri="{BB962C8B-B14F-4D97-AF65-F5344CB8AC3E}">
-        <p14:creationId xmlns:p14="http://schemas.microsoft.com/office/powerpoint/2010/main" val="1667327497"/>
+        <p14:creationId xmlns:p14="http://schemas.microsoft.com/office/powerpoint/2010/main" xmlns="" val="1667327497"/>
       </p:ext>
     </p:extLst>
   </p:cSld>
@@ -4190,7 +4190,7 @@
           <p:nvPr/>
         </p:nvPicPr>
         <p:blipFill>
-          <a:blip r:embed="rId2"/>
+          <a:blip r:embed="rId2" cstate="print"/>
           <a:stretch>
             <a:fillRect/>
           </a:stretch>
@@ -4208,7 +4208,7 @@
     </p:spTree>
     <p:extLst>
       <p:ext uri="{BB962C8B-B14F-4D97-AF65-F5344CB8AC3E}">
-        <p14:creationId xmlns:p14="http://schemas.microsoft.com/office/powerpoint/2010/main" val="1283273550"/>
+        <p14:creationId xmlns:p14="http://schemas.microsoft.com/office/powerpoint/2010/main" xmlns="" val="1283273550"/>
       </p:ext>
     </p:extLst>
   </p:cSld>
@@ -4290,10 +4290,10 @@
           <p:nvPr/>
         </p:nvPicPr>
         <p:blipFill>
-          <a:blip r:embed="rId2">
+          <a:blip r:embed="rId2" cstate="print">
             <a:extLst>
               <a:ext uri="{28A0092B-C50C-407E-A947-70E740481C1C}">
-                <a14:useLocalDpi xmlns:a14="http://schemas.microsoft.com/office/drawing/2010/main" val="0"/>
+                <a14:useLocalDpi xmlns:a14="http://schemas.microsoft.com/office/drawing/2010/main" xmlns="" val="0"/>
               </a:ext>
             </a:extLst>
           </a:blip>
@@ -4316,14 +4316,14 @@
           </a:ln>
           <a:extLst>
             <a:ext uri="{909E8E84-426E-40DD-AFC4-6F175D3DCCD1}">
-              <a14:hiddenFill xmlns:a14="http://schemas.microsoft.com/office/drawing/2010/main">
+              <a14:hiddenFill xmlns:a14="http://schemas.microsoft.com/office/drawing/2010/main" xmlns="">
                 <a:solidFill>
                   <a:srgbClr val="FFFFFF"/>
                 </a:solidFill>
               </a14:hiddenFill>
             </a:ext>
             <a:ext uri="{91240B29-F687-4F45-9708-019B960494DF}">
-              <a14:hiddenLine xmlns:a14="http://schemas.microsoft.com/office/drawing/2010/main" w="9525">
+              <a14:hiddenLine xmlns:a14="http://schemas.microsoft.com/office/drawing/2010/main" xmlns="" w="9525">
                 <a:solidFill>
                   <a:srgbClr val="000000"/>
                 </a:solidFill>
@@ -4338,7 +4338,7 @@
     </p:spTree>
     <p:extLst>
       <p:ext uri="{BB962C8B-B14F-4D97-AF65-F5344CB8AC3E}">
-        <p14:creationId xmlns:p14="http://schemas.microsoft.com/office/powerpoint/2010/main" val="1357070474"/>
+        <p14:creationId xmlns:p14="http://schemas.microsoft.com/office/powerpoint/2010/main" xmlns="" val="1357070474"/>
       </p:ext>
     </p:extLst>
   </p:cSld>
@@ -4374,7 +4374,7 @@
           <p:nvPr/>
         </p:nvPicPr>
         <p:blipFill>
-          <a:blip r:embed="rId2"/>
+          <a:blip r:embed="rId2" cstate="print"/>
           <a:stretch>
             <a:fillRect/>
           </a:stretch>
@@ -4420,7 +4420,7 @@
     </p:spTree>
     <p:extLst>
       <p:ext uri="{BB962C8B-B14F-4D97-AF65-F5344CB8AC3E}">
-        <p14:creationId xmlns:p14="http://schemas.microsoft.com/office/powerpoint/2010/main" val="3238281683"/>
+        <p14:creationId xmlns:p14="http://schemas.microsoft.com/office/powerpoint/2010/main" xmlns="" val="3238281683"/>
       </p:ext>
     </p:extLst>
   </p:cSld>
@@ -4502,10 +4502,10 @@
           <p:nvPr/>
         </p:nvPicPr>
         <p:blipFill>
-          <a:blip r:embed="rId2">
+          <a:blip r:embed="rId2" cstate="print">
             <a:extLst>
               <a:ext uri="{28A0092B-C50C-407E-A947-70E740481C1C}">
-                <a14:useLocalDpi xmlns:a14="http://schemas.microsoft.com/office/drawing/2010/main" val="0"/>
+                <a14:useLocalDpi xmlns:a14="http://schemas.microsoft.com/office/drawing/2010/main" xmlns="" val="0"/>
               </a:ext>
             </a:extLst>
           </a:blip>
@@ -4528,14 +4528,14 @@
           </a:ln>
           <a:extLst>
             <a:ext uri="{909E8E84-426E-40DD-AFC4-6F175D3DCCD1}">
-              <a14:hiddenFill xmlns:a14="http://schemas.microsoft.com/office/drawing/2010/main">
+              <a14:hiddenFill xmlns:a14="http://schemas.microsoft.com/office/drawing/2010/main" xmlns="">
                 <a:solidFill>
                   <a:srgbClr val="FFFFFF"/>
                 </a:solidFill>
               </a14:hiddenFill>
             </a:ext>
             <a:ext uri="{91240B29-F687-4F45-9708-019B960494DF}">
-              <a14:hiddenLine xmlns:a14="http://schemas.microsoft.com/office/drawing/2010/main" w="9525">
+              <a14:hiddenLine xmlns:a14="http://schemas.microsoft.com/office/drawing/2010/main" xmlns="" w="9525">
                 <a:solidFill>
                   <a:srgbClr val="000000"/>
                 </a:solidFill>
@@ -4550,7 +4550,7 @@
     </p:spTree>
     <p:extLst>
       <p:ext uri="{BB962C8B-B14F-4D97-AF65-F5344CB8AC3E}">
-        <p14:creationId xmlns:p14="http://schemas.microsoft.com/office/powerpoint/2010/main" val="1637514812"/>
+        <p14:creationId xmlns:p14="http://schemas.microsoft.com/office/powerpoint/2010/main" xmlns="" val="1637514812"/>
       </p:ext>
     </p:extLst>
   </p:cSld>
@@ -4586,7 +4586,7 @@
           <p:nvPr/>
         </p:nvPicPr>
         <p:blipFill>
-          <a:blip r:embed="rId2"/>
+          <a:blip r:embed="rId2" cstate="print"/>
           <a:stretch>
             <a:fillRect/>
           </a:stretch>
@@ -4632,7 +4632,7 @@
     </p:spTree>
     <p:extLst>
       <p:ext uri="{BB962C8B-B14F-4D97-AF65-F5344CB8AC3E}">
-        <p14:creationId xmlns:p14="http://schemas.microsoft.com/office/powerpoint/2010/main" val="369518321"/>
+        <p14:creationId xmlns:p14="http://schemas.microsoft.com/office/powerpoint/2010/main" xmlns="" val="369518321"/>
       </p:ext>
     </p:extLst>
   </p:cSld>
@@ -4714,10 +4714,10 @@
           <p:nvPr/>
         </p:nvPicPr>
         <p:blipFill>
-          <a:blip r:embed="rId2">
+          <a:blip r:embed="rId2" cstate="print">
             <a:extLst>
               <a:ext uri="{28A0092B-C50C-407E-A947-70E740481C1C}">
-                <a14:useLocalDpi xmlns:a14="http://schemas.microsoft.com/office/drawing/2010/main" val="0"/>
+                <a14:useLocalDpi xmlns:a14="http://schemas.microsoft.com/office/drawing/2010/main" xmlns="" val="0"/>
               </a:ext>
             </a:extLst>
           </a:blip>
@@ -4740,14 +4740,14 @@
           </a:ln>
           <a:extLst>
             <a:ext uri="{909E8E84-426E-40DD-AFC4-6F175D3DCCD1}">
-              <a14:hiddenFill xmlns:a14="http://schemas.microsoft.com/office/drawing/2010/main">
+              <a14:hiddenFill xmlns:a14="http://schemas.microsoft.com/office/drawing/2010/main" xmlns="">
                 <a:solidFill>
                   <a:srgbClr val="FFFFFF"/>
                 </a:solidFill>
               </a14:hiddenFill>
             </a:ext>
             <a:ext uri="{91240B29-F687-4F45-9708-019B960494DF}">
-              <a14:hiddenLine xmlns:a14="http://schemas.microsoft.com/office/drawing/2010/main" w="9525">
+              <a14:hiddenLine xmlns:a14="http://schemas.microsoft.com/office/drawing/2010/main" xmlns="" w="9525">
                 <a:solidFill>
                   <a:srgbClr val="000000"/>
                 </a:solidFill>
@@ -4759,10 +4759,104 @@
           </a:extLst>
         </p:spPr>
       </p:pic>
+      <p:sp>
+        <p:nvSpPr>
+          <p:cNvPr id="5" name="TextBox 4"/>
+          <p:cNvSpPr txBox="1"/>
+          <p:nvPr/>
+        </p:nvSpPr>
+        <p:spPr>
+          <a:xfrm>
+            <a:off x="457200" y="5410200"/>
+            <a:ext cx="4876800" cy="1077218"/>
+          </a:xfrm>
+          <a:prstGeom prst="rect">
+            <a:avLst/>
+          </a:prstGeom>
+          <a:noFill/>
+        </p:spPr>
+        <p:txBody>
+          <a:bodyPr wrap="square" rtlCol="0">
+            <a:spAutoFit/>
+          </a:bodyPr>
+          <a:lstStyle/>
+          <a:p>
+            <a:r>
+              <a:rPr lang="en-US" sz="1600" dirty="0" smtClean="0">
+                <a:solidFill>
+                  <a:schemeClr val="bg2"/>
+                </a:solidFill>
+              </a:rPr>
+              <a:t>Note</a:t>
+            </a:r>
+            <a:r>
+              <a:rPr lang="en-US" sz="1600" dirty="0" smtClean="0">
+                <a:solidFill>
+                  <a:schemeClr val="bg2"/>
+                </a:solidFill>
+              </a:rPr>
+              <a:t> collaboration diagram, also called </a:t>
+            </a:r>
+            <a:r>
+              <a:rPr lang="en-US" sz="1600" dirty="0" smtClean="0">
+                <a:solidFill>
+                  <a:schemeClr val="bg2"/>
+                </a:solidFill>
+              </a:rPr>
+              <a:t>a </a:t>
+            </a:r>
+            <a:r>
+              <a:rPr lang="en-US" sz="1600" b="1" dirty="0" smtClean="0">
+                <a:solidFill>
+                  <a:schemeClr val="bg2"/>
+                </a:solidFill>
+              </a:rPr>
+              <a:t>communication </a:t>
+            </a:r>
+            <a:r>
+              <a:rPr lang="en-US" sz="1600" b="1" dirty="0" smtClean="0">
+                <a:solidFill>
+                  <a:schemeClr val="bg2"/>
+                </a:solidFill>
+              </a:rPr>
+              <a:t>diagram</a:t>
+            </a:r>
+            <a:r>
+              <a:rPr lang="en-US" sz="1600" dirty="0" smtClean="0">
+                <a:solidFill>
+                  <a:schemeClr val="bg2"/>
+                </a:solidFill>
+              </a:rPr>
+              <a:t> or interaction </a:t>
+            </a:r>
+            <a:r>
+              <a:rPr lang="en-US" sz="1600" dirty="0" smtClean="0">
+                <a:solidFill>
+                  <a:schemeClr val="bg2"/>
+                </a:solidFill>
+              </a:rPr>
+              <a:t>diagram </a:t>
+            </a:r>
+            <a:r>
+              <a:rPr lang="en-US" sz="1600" dirty="0" smtClean="0">
+                <a:solidFill>
+                  <a:schemeClr val="bg2"/>
+                </a:solidFill>
+              </a:rPr>
+              <a:t>, is an illustration of the relationships and interactions among software objects</a:t>
+            </a:r>
+            <a:endParaRPr lang="en-US" sz="1600" dirty="0">
+              <a:solidFill>
+                <a:schemeClr val="bg2"/>
+              </a:solidFill>
+            </a:endParaRPr>
+          </a:p>
+        </p:txBody>
+      </p:sp>
     </p:spTree>
     <p:extLst>
       <p:ext uri="{BB962C8B-B14F-4D97-AF65-F5344CB8AC3E}">
-        <p14:creationId xmlns:p14="http://schemas.microsoft.com/office/powerpoint/2010/main" val="2526123088"/>
+        <p14:creationId xmlns:p14="http://schemas.microsoft.com/office/powerpoint/2010/main" xmlns="" val="2526123088"/>
       </p:ext>
     </p:extLst>
   </p:cSld>
@@ -4798,7 +4892,7 @@
           <p:nvPr/>
         </p:nvPicPr>
         <p:blipFill>
-          <a:blip r:embed="rId2"/>
+          <a:blip r:embed="rId2" cstate="print"/>
           <a:stretch>
             <a:fillRect/>
           </a:stretch>
@@ -4844,7 +4938,7 @@
     </p:spTree>
     <p:extLst>
       <p:ext uri="{BB962C8B-B14F-4D97-AF65-F5344CB8AC3E}">
-        <p14:creationId xmlns:p14="http://schemas.microsoft.com/office/powerpoint/2010/main" val="2338521530"/>
+        <p14:creationId xmlns:p14="http://schemas.microsoft.com/office/powerpoint/2010/main" xmlns="" val="2338521530"/>
       </p:ext>
     </p:extLst>
   </p:cSld>
@@ -4926,10 +5020,10 @@
           <p:nvPr/>
         </p:nvPicPr>
         <p:blipFill>
-          <a:blip r:embed="rId2">
+          <a:blip r:embed="rId2" cstate="print">
             <a:extLst>
               <a:ext uri="{28A0092B-C50C-407E-A947-70E740481C1C}">
-                <a14:useLocalDpi xmlns:a14="http://schemas.microsoft.com/office/drawing/2010/main" val="0"/>
+                <a14:useLocalDpi xmlns:a14="http://schemas.microsoft.com/office/drawing/2010/main" xmlns="" val="0"/>
               </a:ext>
             </a:extLst>
           </a:blip>
@@ -4952,14 +5046,14 @@
           </a:ln>
           <a:extLst>
             <a:ext uri="{909E8E84-426E-40DD-AFC4-6F175D3DCCD1}">
-              <a14:hiddenFill xmlns:a14="http://schemas.microsoft.com/office/drawing/2010/main">
+              <a14:hiddenFill xmlns:a14="http://schemas.microsoft.com/office/drawing/2010/main" xmlns="">
                 <a:solidFill>
                   <a:srgbClr val="FFFFFF"/>
                 </a:solidFill>
               </a14:hiddenFill>
             </a:ext>
             <a:ext uri="{91240B29-F687-4F45-9708-019B960494DF}">
-              <a14:hiddenLine xmlns:a14="http://schemas.microsoft.com/office/drawing/2010/main" w="9525">
+              <a14:hiddenLine xmlns:a14="http://schemas.microsoft.com/office/drawing/2010/main" xmlns="" w="9525">
                 <a:solidFill>
                   <a:srgbClr val="000000"/>
                 </a:solidFill>
@@ -4974,7 +5068,7 @@
     </p:spTree>
     <p:extLst>
       <p:ext uri="{BB962C8B-B14F-4D97-AF65-F5344CB8AC3E}">
-        <p14:creationId xmlns:p14="http://schemas.microsoft.com/office/powerpoint/2010/main" val="3898702063"/>
+        <p14:creationId xmlns:p14="http://schemas.microsoft.com/office/powerpoint/2010/main" xmlns="" val="3898702063"/>
       </p:ext>
     </p:extLst>
   </p:cSld>
@@ -5133,7 +5227,7 @@
           <p:nvPr/>
         </p:nvPicPr>
         <p:blipFill>
-          <a:blip r:embed="rId2"/>
+          <a:blip r:embed="rId2" cstate="print"/>
           <a:stretch>
             <a:fillRect/>
           </a:stretch>
@@ -5179,7 +5273,7 @@
     </p:spTree>
     <p:extLst>
       <p:ext uri="{BB962C8B-B14F-4D97-AF65-F5344CB8AC3E}">
-        <p14:creationId xmlns:p14="http://schemas.microsoft.com/office/powerpoint/2010/main" val="723109347"/>
+        <p14:creationId xmlns:p14="http://schemas.microsoft.com/office/powerpoint/2010/main" xmlns="" val="723109347"/>
       </p:ext>
     </p:extLst>
   </p:cSld>
@@ -5261,10 +5355,10 @@
           <p:nvPr/>
         </p:nvPicPr>
         <p:blipFill>
-          <a:blip r:embed="rId2">
+          <a:blip r:embed="rId2" cstate="print">
             <a:extLst>
               <a:ext uri="{28A0092B-C50C-407E-A947-70E740481C1C}">
-                <a14:useLocalDpi xmlns:a14="http://schemas.microsoft.com/office/drawing/2010/main" val="0"/>
+                <a14:useLocalDpi xmlns:a14="http://schemas.microsoft.com/office/drawing/2010/main" xmlns="" val="0"/>
               </a:ext>
             </a:extLst>
           </a:blip>
@@ -5287,14 +5381,14 @@
           </a:ln>
           <a:extLst>
             <a:ext uri="{909E8E84-426E-40DD-AFC4-6F175D3DCCD1}">
-              <a14:hiddenFill xmlns:a14="http://schemas.microsoft.com/office/drawing/2010/main">
+              <a14:hiddenFill xmlns:a14="http://schemas.microsoft.com/office/drawing/2010/main" xmlns="">
                 <a:solidFill>
                   <a:srgbClr val="FFFFFF"/>
                 </a:solidFill>
               </a14:hiddenFill>
             </a:ext>
             <a:ext uri="{91240B29-F687-4F45-9708-019B960494DF}">
-              <a14:hiddenLine xmlns:a14="http://schemas.microsoft.com/office/drawing/2010/main" w="9525">
+              <a14:hiddenLine xmlns:a14="http://schemas.microsoft.com/office/drawing/2010/main" xmlns="" w="9525">
                 <a:solidFill>
                   <a:srgbClr val="000000"/>
                 </a:solidFill>
@@ -5309,7 +5403,7 @@
     </p:spTree>
     <p:extLst>
       <p:ext uri="{BB962C8B-B14F-4D97-AF65-F5344CB8AC3E}">
-        <p14:creationId xmlns:p14="http://schemas.microsoft.com/office/powerpoint/2010/main" val="2897561229"/>
+        <p14:creationId xmlns:p14="http://schemas.microsoft.com/office/powerpoint/2010/main" xmlns="" val="2897561229"/>
       </p:ext>
     </p:extLst>
   </p:cSld>
@@ -5387,7 +5481,7 @@
           <p:nvPr/>
         </p:nvPicPr>
         <p:blipFill>
-          <a:blip r:embed="rId2"/>
+          <a:blip r:embed="rId2" cstate="print"/>
           <a:stretch>
             <a:fillRect/>
           </a:stretch>
@@ -5405,7 +5499,7 @@
     </p:spTree>
     <p:extLst>
       <p:ext uri="{BB962C8B-B14F-4D97-AF65-F5344CB8AC3E}">
-        <p14:creationId xmlns:p14="http://schemas.microsoft.com/office/powerpoint/2010/main" val="2572143554"/>
+        <p14:creationId xmlns:p14="http://schemas.microsoft.com/office/powerpoint/2010/main" xmlns="" val="2572143554"/>
       </p:ext>
     </p:extLst>
   </p:cSld>
@@ -5487,10 +5581,10 @@
           <p:nvPr/>
         </p:nvPicPr>
         <p:blipFill>
-          <a:blip r:embed="rId2">
+          <a:blip r:embed="rId2" cstate="print">
             <a:extLst>
               <a:ext uri="{28A0092B-C50C-407E-A947-70E740481C1C}">
-                <a14:useLocalDpi xmlns:a14="http://schemas.microsoft.com/office/drawing/2010/main" val="0"/>
+                <a14:useLocalDpi xmlns:a14="http://schemas.microsoft.com/office/drawing/2010/main" xmlns="" val="0"/>
               </a:ext>
             </a:extLst>
           </a:blip>
@@ -5513,14 +5607,14 @@
           </a:ln>
           <a:extLst>
             <a:ext uri="{909E8E84-426E-40DD-AFC4-6F175D3DCCD1}">
-              <a14:hiddenFill xmlns:a14="http://schemas.microsoft.com/office/drawing/2010/main">
+              <a14:hiddenFill xmlns:a14="http://schemas.microsoft.com/office/drawing/2010/main" xmlns="">
                 <a:solidFill>
                   <a:srgbClr val="FFFFFF"/>
                 </a:solidFill>
               </a14:hiddenFill>
             </a:ext>
             <a:ext uri="{91240B29-F687-4F45-9708-019B960494DF}">
-              <a14:hiddenLine xmlns:a14="http://schemas.microsoft.com/office/drawing/2010/main" w="9525">
+              <a14:hiddenLine xmlns:a14="http://schemas.microsoft.com/office/drawing/2010/main" xmlns="" w="9525">
                 <a:solidFill>
                   <a:srgbClr val="000000"/>
                 </a:solidFill>
@@ -5535,7 +5629,7 @@
     </p:spTree>
     <p:extLst>
       <p:ext uri="{BB962C8B-B14F-4D97-AF65-F5344CB8AC3E}">
-        <p14:creationId xmlns:p14="http://schemas.microsoft.com/office/powerpoint/2010/main" val="1285529684"/>
+        <p14:creationId xmlns:p14="http://schemas.microsoft.com/office/powerpoint/2010/main" xmlns="" val="1285529684"/>
       </p:ext>
     </p:extLst>
   </p:cSld>
@@ -5613,7 +5707,7 @@
           <p:nvPr/>
         </p:nvPicPr>
         <p:blipFill>
-          <a:blip r:embed="rId2"/>
+          <a:blip r:embed="rId2" cstate="print"/>
           <a:stretch>
             <a:fillRect/>
           </a:stretch>
@@ -5631,7 +5725,7 @@
     </p:spTree>
     <p:extLst>
       <p:ext uri="{BB962C8B-B14F-4D97-AF65-F5344CB8AC3E}">
-        <p14:creationId xmlns:p14="http://schemas.microsoft.com/office/powerpoint/2010/main" val="3941906354"/>
+        <p14:creationId xmlns:p14="http://schemas.microsoft.com/office/powerpoint/2010/main" xmlns="" val="3941906354"/>
       </p:ext>
     </p:extLst>
   </p:cSld>
@@ -5729,7 +5823,7 @@
           <a:blip r:embed="rId2" cstate="print">
             <a:extLst>
               <a:ext uri="{28A0092B-C50C-407E-A947-70E740481C1C}">
-                <a14:useLocalDpi xmlns:a14="http://schemas.microsoft.com/office/drawing/2010/main" val="0"/>
+                <a14:useLocalDpi xmlns:a14="http://schemas.microsoft.com/office/drawing/2010/main" xmlns="" val="0"/>
               </a:ext>
             </a:extLst>
           </a:blip>
@@ -5752,14 +5846,14 @@
           </a:ln>
           <a:extLst>
             <a:ext uri="{909E8E84-426E-40DD-AFC4-6F175D3DCCD1}">
-              <a14:hiddenFill xmlns:a14="http://schemas.microsoft.com/office/drawing/2010/main">
+              <a14:hiddenFill xmlns:a14="http://schemas.microsoft.com/office/drawing/2010/main" xmlns="">
                 <a:solidFill>
                   <a:srgbClr val="FFFFFF"/>
                 </a:solidFill>
               </a14:hiddenFill>
             </a:ext>
             <a:ext uri="{91240B29-F687-4F45-9708-019B960494DF}">
-              <a14:hiddenLine xmlns:a14="http://schemas.microsoft.com/office/drawing/2010/main" w="9525">
+              <a14:hiddenLine xmlns:a14="http://schemas.microsoft.com/office/drawing/2010/main" xmlns="" w="9525">
                 <a:solidFill>
                   <a:srgbClr val="000000"/>
                 </a:solidFill>
@@ -5774,7 +5868,7 @@
     </p:spTree>
     <p:extLst>
       <p:ext uri="{BB962C8B-B14F-4D97-AF65-F5344CB8AC3E}">
-        <p14:creationId xmlns:p14="http://schemas.microsoft.com/office/powerpoint/2010/main" val="3527233906"/>
+        <p14:creationId xmlns:p14="http://schemas.microsoft.com/office/powerpoint/2010/main" xmlns="" val="3527233906"/>
       </p:ext>
     </p:extLst>
   </p:cSld>
@@ -6072,7 +6166,7 @@
     </p:spTree>
     <p:extLst>
       <p:ext uri="{BB962C8B-B14F-4D97-AF65-F5344CB8AC3E}">
-        <p14:creationId xmlns:p14="http://schemas.microsoft.com/office/powerpoint/2010/main" val="2179536049"/>
+        <p14:creationId xmlns:p14="http://schemas.microsoft.com/office/powerpoint/2010/main" xmlns="" val="2179536049"/>
       </p:ext>
     </p:extLst>
   </p:cSld>
@@ -6178,10 +6272,10 @@
           <p:nvPr/>
         </p:nvPicPr>
         <p:blipFill>
-          <a:blip r:embed="rId2">
+          <a:blip r:embed="rId2" cstate="print">
             <a:extLst>
               <a:ext uri="{28A0092B-C50C-407E-A947-70E740481C1C}">
-                <a14:useLocalDpi xmlns:a14="http://schemas.microsoft.com/office/drawing/2010/main" val="0"/>
+                <a14:useLocalDpi xmlns:a14="http://schemas.microsoft.com/office/drawing/2010/main" xmlns="" val="0"/>
               </a:ext>
             </a:extLst>
           </a:blip>
@@ -6204,14 +6298,14 @@
           </a:ln>
           <a:extLst>
             <a:ext uri="{909E8E84-426E-40DD-AFC4-6F175D3DCCD1}">
-              <a14:hiddenFill xmlns:a14="http://schemas.microsoft.com/office/drawing/2010/main">
+              <a14:hiddenFill xmlns:a14="http://schemas.microsoft.com/office/drawing/2010/main" xmlns="">
                 <a:solidFill>
                   <a:srgbClr val="FFFFFF"/>
                 </a:solidFill>
               </a14:hiddenFill>
             </a:ext>
             <a:ext uri="{91240B29-F687-4F45-9708-019B960494DF}">
-              <a14:hiddenLine xmlns:a14="http://schemas.microsoft.com/office/drawing/2010/main" w="9525">
+              <a14:hiddenLine xmlns:a14="http://schemas.microsoft.com/office/drawing/2010/main" xmlns="" w="9525">
                 <a:solidFill>
                   <a:srgbClr val="000000"/>
                 </a:solidFill>
@@ -6226,7 +6320,7 @@
     </p:spTree>
     <p:extLst>
       <p:ext uri="{BB962C8B-B14F-4D97-AF65-F5344CB8AC3E}">
-        <p14:creationId xmlns:p14="http://schemas.microsoft.com/office/powerpoint/2010/main" val="3202994643"/>
+        <p14:creationId xmlns:p14="http://schemas.microsoft.com/office/powerpoint/2010/main" xmlns="" val="3202994643"/>
       </p:ext>
     </p:extLst>
   </p:cSld>
@@ -6367,7 +6461,7 @@
     </p:spTree>
     <p:extLst>
       <p:ext uri="{BB962C8B-B14F-4D97-AF65-F5344CB8AC3E}">
-        <p14:creationId xmlns:p14="http://schemas.microsoft.com/office/powerpoint/2010/main" val="4033975163"/>
+        <p14:creationId xmlns:p14="http://schemas.microsoft.com/office/powerpoint/2010/main" xmlns="" val="4033975163"/>
       </p:ext>
     </p:extLst>
   </p:cSld>
@@ -6459,7 +6553,7 @@
     </p:spTree>
     <p:extLst>
       <p:ext uri="{BB962C8B-B14F-4D97-AF65-F5344CB8AC3E}">
-        <p14:creationId xmlns:p14="http://schemas.microsoft.com/office/powerpoint/2010/main" val="1515839478"/>
+        <p14:creationId xmlns:p14="http://schemas.microsoft.com/office/powerpoint/2010/main" xmlns="" val="1515839478"/>
       </p:ext>
     </p:extLst>
   </p:cSld>
@@ -6653,7 +6747,7 @@
     </p:spTree>
     <p:extLst>
       <p:ext uri="{BB962C8B-B14F-4D97-AF65-F5344CB8AC3E}">
-        <p14:creationId xmlns:p14="http://schemas.microsoft.com/office/powerpoint/2010/main" val="832593709"/>
+        <p14:creationId xmlns:p14="http://schemas.microsoft.com/office/powerpoint/2010/main" xmlns="" val="832593709"/>
       </p:ext>
     </p:extLst>
   </p:cSld>
@@ -6737,7 +6831,7 @@
     </p:spTree>
     <p:extLst>
       <p:ext uri="{BB962C8B-B14F-4D97-AF65-F5344CB8AC3E}">
-        <p14:creationId xmlns:p14="http://schemas.microsoft.com/office/powerpoint/2010/main" val="463510661"/>
+        <p14:creationId xmlns:p14="http://schemas.microsoft.com/office/powerpoint/2010/main" xmlns="" val="463510661"/>
       </p:ext>
     </p:extLst>
   </p:cSld>
@@ -6850,7 +6944,7 @@
     </p:spTree>
     <p:extLst>
       <p:ext uri="{BB962C8B-B14F-4D97-AF65-F5344CB8AC3E}">
-        <p14:creationId xmlns:p14="http://schemas.microsoft.com/office/powerpoint/2010/main" val="2994157053"/>
+        <p14:creationId xmlns:p14="http://schemas.microsoft.com/office/powerpoint/2010/main" xmlns="" val="2994157053"/>
       </p:ext>
     </p:extLst>
   </p:cSld>
@@ -6972,7 +7066,7 @@
     </p:spTree>
     <p:extLst>
       <p:ext uri="{BB962C8B-B14F-4D97-AF65-F5344CB8AC3E}">
-        <p14:creationId xmlns:p14="http://schemas.microsoft.com/office/powerpoint/2010/main" val="648972170"/>
+        <p14:creationId xmlns:p14="http://schemas.microsoft.com/office/powerpoint/2010/main" xmlns="" val="648972170"/>
       </p:ext>
     </p:extLst>
   </p:cSld>
@@ -7109,7 +7203,7 @@
     </p:spTree>
     <p:extLst>
       <p:ext uri="{BB962C8B-B14F-4D97-AF65-F5344CB8AC3E}">
-        <p14:creationId xmlns:p14="http://schemas.microsoft.com/office/powerpoint/2010/main" val="4030562264"/>
+        <p14:creationId xmlns:p14="http://schemas.microsoft.com/office/powerpoint/2010/main" xmlns="" val="4030562264"/>
       </p:ext>
     </p:extLst>
   </p:cSld>
@@ -7193,7 +7287,7 @@
     </p:spTree>
     <p:extLst>
       <p:ext uri="{BB962C8B-B14F-4D97-AF65-F5344CB8AC3E}">
-        <p14:creationId xmlns:p14="http://schemas.microsoft.com/office/powerpoint/2010/main" val="3469542322"/>
+        <p14:creationId xmlns:p14="http://schemas.microsoft.com/office/powerpoint/2010/main" xmlns="" val="3469542322"/>
       </p:ext>
     </p:extLst>
   </p:cSld>
@@ -7289,7 +7383,7 @@
     </p:spTree>
     <p:extLst>
       <p:ext uri="{BB962C8B-B14F-4D97-AF65-F5344CB8AC3E}">
-        <p14:creationId xmlns:p14="http://schemas.microsoft.com/office/powerpoint/2010/main" val="3498956197"/>
+        <p14:creationId xmlns:p14="http://schemas.microsoft.com/office/powerpoint/2010/main" xmlns="" val="3498956197"/>
       </p:ext>
     </p:extLst>
   </p:cSld>
@@ -7368,7 +7462,7 @@
     </p:spTree>
     <p:extLst>
       <p:ext uri="{BB962C8B-B14F-4D97-AF65-F5344CB8AC3E}">
-        <p14:creationId xmlns:p14="http://schemas.microsoft.com/office/powerpoint/2010/main" val="852214437"/>
+        <p14:creationId xmlns:p14="http://schemas.microsoft.com/office/powerpoint/2010/main" xmlns="" val="852214437"/>
       </p:ext>
     </p:extLst>
   </p:cSld>
@@ -7530,7 +7624,7 @@
     </p:spTree>
     <p:extLst>
       <p:ext uri="{BB962C8B-B14F-4D97-AF65-F5344CB8AC3E}">
-        <p14:creationId xmlns:p14="http://schemas.microsoft.com/office/powerpoint/2010/main" val="708159956"/>
+        <p14:creationId xmlns:p14="http://schemas.microsoft.com/office/powerpoint/2010/main" xmlns="" val="708159956"/>
       </p:ext>
     </p:extLst>
   </p:cSld>
@@ -7606,7 +7700,7 @@
     </p:spTree>
     <p:extLst>
       <p:ext uri="{BB962C8B-B14F-4D97-AF65-F5344CB8AC3E}">
-        <p14:creationId xmlns:p14="http://schemas.microsoft.com/office/powerpoint/2010/main" val="3038845572"/>
+        <p14:creationId xmlns:p14="http://schemas.microsoft.com/office/powerpoint/2010/main" xmlns="" val="3038845572"/>
       </p:ext>
     </p:extLst>
   </p:cSld>
@@ -7718,7 +7812,7 @@
     </p:spTree>
     <p:extLst>
       <p:ext uri="{BB962C8B-B14F-4D97-AF65-F5344CB8AC3E}">
-        <p14:creationId xmlns:p14="http://schemas.microsoft.com/office/powerpoint/2010/main" val="1875106507"/>
+        <p14:creationId xmlns:p14="http://schemas.microsoft.com/office/powerpoint/2010/main" xmlns="" val="1875106507"/>
       </p:ext>
     </p:extLst>
   </p:cSld>
@@ -7796,7 +7890,7 @@
           <p:nvPr/>
         </p:nvPicPr>
         <p:blipFill>
-          <a:blip r:embed="rId2"/>
+          <a:blip r:embed="rId2" cstate="print"/>
           <a:srcRect/>
           <a:stretch>
             <a:fillRect/>
@@ -7823,7 +7917,7 @@
     </p:spTree>
     <p:extLst>
       <p:ext uri="{BB962C8B-B14F-4D97-AF65-F5344CB8AC3E}">
-        <p14:creationId xmlns:p14="http://schemas.microsoft.com/office/powerpoint/2010/main" val="2066962750"/>
+        <p14:creationId xmlns:p14="http://schemas.microsoft.com/office/powerpoint/2010/main" xmlns="" val="2066962750"/>
       </p:ext>
     </p:extLst>
   </p:cSld>
@@ -7902,7 +7996,7 @@
     </p:spTree>
     <p:extLst>
       <p:ext uri="{BB962C8B-B14F-4D97-AF65-F5344CB8AC3E}">
-        <p14:creationId xmlns:p14="http://schemas.microsoft.com/office/powerpoint/2010/main" val="1747694855"/>
+        <p14:creationId xmlns:p14="http://schemas.microsoft.com/office/powerpoint/2010/main" xmlns="" val="1747694855"/>
       </p:ext>
     </p:extLst>
   </p:cSld>
@@ -7980,7 +8074,7 @@
           <p:nvPr/>
         </p:nvPicPr>
         <p:blipFill>
-          <a:blip r:embed="rId2"/>
+          <a:blip r:embed="rId2" cstate="print"/>
           <a:srcRect/>
           <a:stretch>
             <a:fillRect/>
@@ -8007,7 +8101,7 @@
     </p:spTree>
     <p:extLst>
       <p:ext uri="{BB962C8B-B14F-4D97-AF65-F5344CB8AC3E}">
-        <p14:creationId xmlns:p14="http://schemas.microsoft.com/office/powerpoint/2010/main" val="3478697853"/>
+        <p14:creationId xmlns:p14="http://schemas.microsoft.com/office/powerpoint/2010/main" xmlns="" val="3478697853"/>
       </p:ext>
     </p:extLst>
   </p:cSld>
@@ -8089,10 +8183,10 @@
           <p:nvPr/>
         </p:nvPicPr>
         <p:blipFill>
-          <a:blip r:embed="rId2">
+          <a:blip r:embed="rId2" cstate="print">
             <a:extLst>
               <a:ext uri="{28A0092B-C50C-407E-A947-70E740481C1C}">
-                <a14:useLocalDpi xmlns:a14="http://schemas.microsoft.com/office/drawing/2010/main" val="0"/>
+                <a14:useLocalDpi xmlns:a14="http://schemas.microsoft.com/office/drawing/2010/main" xmlns="" val="0"/>
               </a:ext>
             </a:extLst>
           </a:blip>
@@ -8115,14 +8209,14 @@
           </a:ln>
           <a:extLst>
             <a:ext uri="{909E8E84-426E-40DD-AFC4-6F175D3DCCD1}">
-              <a14:hiddenFill xmlns:a14="http://schemas.microsoft.com/office/drawing/2010/main">
+              <a14:hiddenFill xmlns:a14="http://schemas.microsoft.com/office/drawing/2010/main" xmlns="">
                 <a:solidFill>
                   <a:srgbClr val="FFFFFF"/>
                 </a:solidFill>
               </a14:hiddenFill>
             </a:ext>
             <a:ext uri="{91240B29-F687-4F45-9708-019B960494DF}">
-              <a14:hiddenLine xmlns:a14="http://schemas.microsoft.com/office/drawing/2010/main" w="9525">
+              <a14:hiddenLine xmlns:a14="http://schemas.microsoft.com/office/drawing/2010/main" xmlns="" w="9525">
                 <a:solidFill>
                   <a:srgbClr val="000000"/>
                 </a:solidFill>
@@ -8137,7 +8231,7 @@
     </p:spTree>
     <p:extLst>
       <p:ext uri="{BB962C8B-B14F-4D97-AF65-F5344CB8AC3E}">
-        <p14:creationId xmlns:p14="http://schemas.microsoft.com/office/powerpoint/2010/main" val="3748402236"/>
+        <p14:creationId xmlns:p14="http://schemas.microsoft.com/office/powerpoint/2010/main" xmlns="" val="3748402236"/>
       </p:ext>
     </p:extLst>
   </p:cSld>
@@ -8422,7 +8516,7 @@
     </p:spTree>
     <p:extLst>
       <p:ext uri="{BB962C8B-B14F-4D97-AF65-F5344CB8AC3E}">
-        <p14:creationId xmlns:p14="http://schemas.microsoft.com/office/powerpoint/2010/main" val="3611135855"/>
+        <p14:creationId xmlns:p14="http://schemas.microsoft.com/office/powerpoint/2010/main" xmlns="" val="3611135855"/>
       </p:ext>
     </p:extLst>
   </p:cSld>
@@ -8522,7 +8616,7 @@
     </p:spTree>
     <p:extLst>
       <p:ext uri="{BB962C8B-B14F-4D97-AF65-F5344CB8AC3E}">
-        <p14:creationId xmlns:p14="http://schemas.microsoft.com/office/powerpoint/2010/main" val="2051988775"/>
+        <p14:creationId xmlns:p14="http://schemas.microsoft.com/office/powerpoint/2010/main" xmlns="" val="2051988775"/>
       </p:ext>
     </p:extLst>
   </p:cSld>
@@ -8731,7 +8825,7 @@
     </p:spTree>
     <p:extLst>
       <p:ext uri="{BB962C8B-B14F-4D97-AF65-F5344CB8AC3E}">
-        <p14:creationId xmlns:p14="http://schemas.microsoft.com/office/powerpoint/2010/main" val="2925421669"/>
+        <p14:creationId xmlns:p14="http://schemas.microsoft.com/office/powerpoint/2010/main" xmlns="" val="2925421669"/>
       </p:ext>
     </p:extLst>
   </p:cSld>
@@ -8815,7 +8909,7 @@
     </p:spTree>
     <p:extLst>
       <p:ext uri="{BB962C8B-B14F-4D97-AF65-F5344CB8AC3E}">
-        <p14:creationId xmlns:p14="http://schemas.microsoft.com/office/powerpoint/2010/main" val="771824615"/>
+        <p14:creationId xmlns:p14="http://schemas.microsoft.com/office/powerpoint/2010/main" xmlns="" val="771824615"/>
       </p:ext>
     </p:extLst>
   </p:cSld>
@@ -8921,10 +9015,10 @@
           <p:nvPr/>
         </p:nvPicPr>
         <p:blipFill>
-          <a:blip r:embed="rId2">
+          <a:blip r:embed="rId2" cstate="print">
             <a:extLst>
               <a:ext uri="{28A0092B-C50C-407E-A947-70E740481C1C}">
-                <a14:useLocalDpi xmlns:a14="http://schemas.microsoft.com/office/drawing/2010/main" val="0"/>
+                <a14:useLocalDpi xmlns:a14="http://schemas.microsoft.com/office/drawing/2010/main" xmlns="" val="0"/>
               </a:ext>
             </a:extLst>
           </a:blip>
@@ -8947,14 +9041,14 @@
           </a:ln>
           <a:extLst>
             <a:ext uri="{909E8E84-426E-40DD-AFC4-6F175D3DCCD1}">
-              <a14:hiddenFill xmlns:a14="http://schemas.microsoft.com/office/drawing/2010/main">
+              <a14:hiddenFill xmlns:a14="http://schemas.microsoft.com/office/drawing/2010/main" xmlns="">
                 <a:solidFill>
                   <a:srgbClr val="FFFFFF"/>
                 </a:solidFill>
               </a14:hiddenFill>
             </a:ext>
             <a:ext uri="{91240B29-F687-4F45-9708-019B960494DF}">
-              <a14:hiddenLine xmlns:a14="http://schemas.microsoft.com/office/drawing/2010/main" w="9525">
+              <a14:hiddenLine xmlns:a14="http://schemas.microsoft.com/office/drawing/2010/main" xmlns="" w="9525">
                 <a:solidFill>
                   <a:srgbClr val="000000"/>
                 </a:solidFill>
@@ -8969,7 +9063,7 @@
     </p:spTree>
     <p:extLst>
       <p:ext uri="{BB962C8B-B14F-4D97-AF65-F5344CB8AC3E}">
-        <p14:creationId xmlns:p14="http://schemas.microsoft.com/office/powerpoint/2010/main" val="2678259467"/>
+        <p14:creationId xmlns:p14="http://schemas.microsoft.com/office/powerpoint/2010/main" xmlns="" val="2678259467"/>
       </p:ext>
     </p:extLst>
   </p:cSld>
@@ -9152,7 +9246,7 @@
     </p:spTree>
     <p:extLst>
       <p:ext uri="{BB962C8B-B14F-4D97-AF65-F5344CB8AC3E}">
-        <p14:creationId xmlns:p14="http://schemas.microsoft.com/office/powerpoint/2010/main" val="1286153127"/>
+        <p14:creationId xmlns:p14="http://schemas.microsoft.com/office/powerpoint/2010/main" xmlns="" val="1286153127"/>
       </p:ext>
     </p:extLst>
   </p:cSld>
@@ -9234,10 +9328,10 @@
           <p:nvPr/>
         </p:nvPicPr>
         <p:blipFill>
-          <a:blip r:embed="rId2">
+          <a:blip r:embed="rId2" cstate="print">
             <a:extLst>
               <a:ext uri="{28A0092B-C50C-407E-A947-70E740481C1C}">
-                <a14:useLocalDpi xmlns:a14="http://schemas.microsoft.com/office/drawing/2010/main" val="0"/>
+                <a14:useLocalDpi xmlns:a14="http://schemas.microsoft.com/office/drawing/2010/main" xmlns="" val="0"/>
               </a:ext>
             </a:extLst>
           </a:blip>
@@ -9260,14 +9354,14 @@
           </a:ln>
           <a:extLst>
             <a:ext uri="{909E8E84-426E-40DD-AFC4-6F175D3DCCD1}">
-              <a14:hiddenFill xmlns:a14="http://schemas.microsoft.com/office/drawing/2010/main">
+              <a14:hiddenFill xmlns:a14="http://schemas.microsoft.com/office/drawing/2010/main" xmlns="">
                 <a:solidFill>
                   <a:srgbClr val="FFFFFF"/>
                 </a:solidFill>
               </a14:hiddenFill>
             </a:ext>
             <a:ext uri="{91240B29-F687-4F45-9708-019B960494DF}">
-              <a14:hiddenLine xmlns:a14="http://schemas.microsoft.com/office/drawing/2010/main" w="9525">
+              <a14:hiddenLine xmlns:a14="http://schemas.microsoft.com/office/drawing/2010/main" xmlns="" w="9525">
                 <a:solidFill>
                   <a:srgbClr val="000000"/>
                 </a:solidFill>
@@ -9282,7 +9376,7 @@
     </p:spTree>
     <p:extLst>
       <p:ext uri="{BB962C8B-B14F-4D97-AF65-F5344CB8AC3E}">
-        <p14:creationId xmlns:p14="http://schemas.microsoft.com/office/powerpoint/2010/main" val="1308136196"/>
+        <p14:creationId xmlns:p14="http://schemas.microsoft.com/office/powerpoint/2010/main" xmlns="" val="1308136196"/>
       </p:ext>
     </p:extLst>
   </p:cSld>
@@ -9775,7 +9869,7 @@
   </a:extraClrSchemeLst>
   <a:extLst>
     <a:ext uri="{05A4C25C-085E-4340-85A3-A5531E510DB2}">
-      <thm15:themeFamily xmlns:thm15="http://schemas.microsoft.com/office/thememl/2012/main" name="Office Theme" id="{62F939B6-93AF-4DB8-9C6B-D6C7DFDC589F}" vid="{4A3C46E8-61CC-4603-A589-7422A47A8E4A}"/>
+      <thm15:themeFamily xmlns:thm15="http://schemas.microsoft.com/office/thememl/2012/main" xmlns="" name="Office Theme" id="{62F939B6-93AF-4DB8-9C6B-D6C7DFDC589F}" vid="{4A3C46E8-61CC-4603-A589-7422A47A8E4A}"/>
     </a:ext>
   </a:extLst>
 </a:theme>
@@ -10036,7 +10130,7 @@
   <a:extraClrSchemeLst/>
   <a:extLst>
     <a:ext uri="{05A4C25C-085E-4340-85A3-A5531E510DB2}">
-      <thm15:themeFamily xmlns:thm15="http://schemas.microsoft.com/office/thememl/2012/main" name="Office Theme" id="{62F939B6-93AF-4DB8-9C6B-D6C7DFDC589F}" vid="{4A3C46E8-61CC-4603-A589-7422A47A8E4A}"/>
+      <thm15:themeFamily xmlns:thm15="http://schemas.microsoft.com/office/thememl/2012/main" xmlns="" name="Office Theme" id="{62F939B6-93AF-4DB8-9C6B-D6C7DFDC589F}" vid="{4A3C46E8-61CC-4603-A589-7422A47A8E4A}"/>
     </a:ext>
   </a:extLst>
 </a:theme>
